--- a/meeting_2024/anchi_0807_meeting.pptx
+++ b/meeting_2024/anchi_0807_meeting.pptx
@@ -5,16 +5,17 @@
     <p:sldMasterId id="2147483648" r:id="rId1"/>
   </p:sldMasterIdLst>
   <p:notesMasterIdLst>
-    <p:notesMasterId r:id="rId9"/>
+    <p:notesMasterId r:id="rId10"/>
   </p:notesMasterIdLst>
   <p:sldIdLst>
     <p:sldId id="256" r:id="rId2"/>
     <p:sldId id="567" r:id="rId3"/>
     <p:sldId id="579" r:id="rId4"/>
-    <p:sldId id="580" r:id="rId5"/>
-    <p:sldId id="581" r:id="rId6"/>
-    <p:sldId id="582" r:id="rId7"/>
-    <p:sldId id="305" r:id="rId8"/>
+    <p:sldId id="583" r:id="rId5"/>
+    <p:sldId id="580" r:id="rId6"/>
+    <p:sldId id="581" r:id="rId7"/>
+    <p:sldId id="582" r:id="rId8"/>
+    <p:sldId id="305" r:id="rId9"/>
   </p:sldIdLst>
   <p:sldSz cx="10693400" cy="7561263"/>
   <p:notesSz cx="6858000" cy="9144000"/>
@@ -4390,6 +4391,14 @@
               <a:rPr lang="en-US" altLang="zh-TW" sz="2400" b="0" dirty="0">
                 <a:cs typeface="Times New Roman" panose="02020603050405020304" pitchFamily="18" charset="0"/>
               </a:rPr>
+              <a:t>TDOA-based localization result</a:t>
+            </a:r>
+          </a:p>
+          <a:p>
+            <a:r>
+              <a:rPr lang="en-US" altLang="zh-TW" sz="2400" b="0" dirty="0">
+                <a:cs typeface="Times New Roman" panose="02020603050405020304" pitchFamily="18" charset="0"/>
+              </a:rPr>
               <a:t>Dereverberation using estimated ATFs or RIRs</a:t>
             </a:r>
           </a:p>
@@ -4570,16 +4579,60 @@
           </a:p>
         </p:txBody>
       </p:sp>
-      <p:pic>
-        <p:nvPicPr>
-          <p:cNvPr id="11" name="圖片 10">
+      <p:sp>
+        <p:nvSpPr>
+          <p:cNvPr id="6" name="文字方塊 5">
             <a:extLst>
               <a:ext uri="{FF2B5EF4-FFF2-40B4-BE49-F238E27FC236}">
-                <a16:creationId xmlns:a16="http://schemas.microsoft.com/office/drawing/2014/main" id="{9BBFDC4C-5E4E-479C-883B-0BFF995FC75E}"/>
+                <a16:creationId xmlns:a16="http://schemas.microsoft.com/office/drawing/2014/main" id="{F6C03BE3-B7DF-4C8B-AC9B-9B45E7F8396B}"/>
               </a:ext>
             </a:extLst>
           </p:cNvPr>
-          <p:cNvPicPr/>
+          <p:cNvSpPr txBox="1"/>
+          <p:nvPr/>
+        </p:nvSpPr>
+        <p:spPr>
+          <a:xfrm>
+            <a:off x="2162180" y="5122911"/>
+            <a:ext cx="6778653" cy="400110"/>
+          </a:xfrm>
+          <a:prstGeom prst="rect">
+            <a:avLst/>
+          </a:prstGeom>
+          <a:noFill/>
+        </p:spPr>
+        <p:txBody>
+          <a:bodyPr wrap="square" rtlCol="0">
+            <a:spAutoFit/>
+          </a:bodyPr>
+          <a:lstStyle/>
+          <a:p>
+            <a:r>
+              <a:rPr lang="en-US" altLang="zh-TW" sz="2000" dirty="0">
+                <a:latin typeface="Times New Roman" panose="02020603050405020304" pitchFamily="18" charset="0"/>
+                <a:cs typeface="Times New Roman" panose="02020603050405020304" pitchFamily="18" charset="0"/>
+              </a:rPr>
+              <a:t>Eigenvalues of the microphone covariance matrix in MCLMS</a:t>
+            </a:r>
+            <a:endParaRPr lang="zh-TW" altLang="en-US" sz="2000" dirty="0">
+              <a:latin typeface="Times New Roman" panose="02020603050405020304" pitchFamily="18" charset="0"/>
+              <a:cs typeface="Times New Roman" panose="02020603050405020304" pitchFamily="18" charset="0"/>
+            </a:endParaRPr>
+          </a:p>
+        </p:txBody>
+      </p:sp>
+      <p:pic>
+        <p:nvPicPr>
+          <p:cNvPr id="9" name="圖片 8">
+            <a:extLst>
+              <a:ext uri="{FF2B5EF4-FFF2-40B4-BE49-F238E27FC236}">
+                <a16:creationId xmlns:a16="http://schemas.microsoft.com/office/drawing/2014/main" id="{478A5862-4926-44F8-854D-7A6D69AB8B6A}"/>
+              </a:ext>
+            </a:extLst>
+          </p:cNvPr>
+          <p:cNvPicPr>
+            <a:picLocks noChangeAspect="1"/>
+          </p:cNvPicPr>
           <p:nvPr/>
         </p:nvPicPr>
         <p:blipFill>
@@ -4590,56 +4643,14 @@
         </p:blipFill>
         <p:spPr>
           <a:xfrm>
-            <a:off x="2836632" y="1582011"/>
-            <a:ext cx="4536934" cy="3255879"/>
+            <a:off x="793923" y="1503932"/>
+            <a:ext cx="3840000" cy="2880000"/>
           </a:xfrm>
           <a:prstGeom prst="rect">
             <a:avLst/>
           </a:prstGeom>
         </p:spPr>
       </p:pic>
-      <p:sp>
-        <p:nvSpPr>
-          <p:cNvPr id="6" name="文字方塊 5">
-            <a:extLst>
-              <a:ext uri="{FF2B5EF4-FFF2-40B4-BE49-F238E27FC236}">
-                <a16:creationId xmlns:a16="http://schemas.microsoft.com/office/drawing/2014/main" id="{F6C03BE3-B7DF-4C8B-AC9B-9B45E7F8396B}"/>
-              </a:ext>
-            </a:extLst>
-          </p:cNvPr>
-          <p:cNvSpPr txBox="1"/>
-          <p:nvPr/>
-        </p:nvSpPr>
-        <p:spPr>
-          <a:xfrm>
-            <a:off x="2162180" y="5122911"/>
-            <a:ext cx="6778653" cy="400110"/>
-          </a:xfrm>
-          <a:prstGeom prst="rect">
-            <a:avLst/>
-          </a:prstGeom>
-          <a:noFill/>
-        </p:spPr>
-        <p:txBody>
-          <a:bodyPr wrap="square" rtlCol="0">
-            <a:spAutoFit/>
-          </a:bodyPr>
-          <a:lstStyle/>
-          <a:p>
-            <a:r>
-              <a:rPr lang="en-US" altLang="zh-TW" sz="2000" dirty="0">
-                <a:latin typeface="Times New Roman" panose="02020603050405020304" pitchFamily="18" charset="0"/>
-                <a:cs typeface="Times New Roman" panose="02020603050405020304" pitchFamily="18" charset="0"/>
-              </a:rPr>
-              <a:t>Eigenvalues of the microphone covariance matrix in MCLMS</a:t>
-            </a:r>
-            <a:endParaRPr lang="zh-TW" altLang="en-US" sz="2000" dirty="0">
-              <a:latin typeface="Times New Roman" panose="02020603050405020304" pitchFamily="18" charset="0"/>
-              <a:cs typeface="Times New Roman" panose="02020603050405020304" pitchFamily="18" charset="0"/>
-            </a:endParaRPr>
-          </a:p>
-        </p:txBody>
-      </p:sp>
       <p:sp>
         <p:nvSpPr>
           <p:cNvPr id="8" name="橢圓 7">
@@ -4654,7 +4665,7 @@
         </p:nvSpPr>
         <p:spPr>
           <a:xfrm>
-            <a:off x="5551506" y="4312596"/>
+            <a:off x="2970433" y="3846100"/>
             <a:ext cx="1484834" cy="337225"/>
           </a:xfrm>
           <a:prstGeom prst="ellipse">
@@ -4689,6 +4700,120 @@
           <a:p>
             <a:pPr algn="ctr"/>
             <a:endParaRPr lang="zh-TW" altLang="en-US"/>
+          </a:p>
+        </p:txBody>
+      </p:sp>
+      <p:sp>
+        <p:nvSpPr>
+          <p:cNvPr id="7" name="文字方塊 6">
+            <a:extLst>
+              <a:ext uri="{FF2B5EF4-FFF2-40B4-BE49-F238E27FC236}">
+                <a16:creationId xmlns:a16="http://schemas.microsoft.com/office/drawing/2014/main" id="{06E0E3F5-AB75-477D-8553-EC31FAABDF52}"/>
+              </a:ext>
+            </a:extLst>
+          </p:cNvPr>
+          <p:cNvSpPr txBox="1"/>
+          <p:nvPr/>
+        </p:nvSpPr>
+        <p:spPr>
+          <a:xfrm>
+            <a:off x="2665378" y="4238014"/>
+            <a:ext cx="356681" cy="246221"/>
+          </a:xfrm>
+          <a:prstGeom prst="rect">
+            <a:avLst/>
+          </a:prstGeom>
+          <a:noFill/>
+        </p:spPr>
+        <p:txBody>
+          <a:bodyPr wrap="square" rtlCol="0">
+            <a:spAutoFit/>
+          </a:bodyPr>
+          <a:lstStyle/>
+          <a:p>
+            <a:r>
+              <a:rPr lang="en-US" altLang="zh-TW" sz="1000" dirty="0">
+                <a:latin typeface="Times New Roman" panose="02020603050405020304" pitchFamily="18" charset="0"/>
+                <a:cs typeface="Times New Roman" panose="02020603050405020304" pitchFamily="18" charset="0"/>
+              </a:rPr>
+              <a:t>n</a:t>
+            </a:r>
+            <a:endParaRPr lang="zh-TW" altLang="en-US" sz="1000" dirty="0">
+              <a:latin typeface="Times New Roman" panose="02020603050405020304" pitchFamily="18" charset="0"/>
+              <a:cs typeface="Times New Roman" panose="02020603050405020304" pitchFamily="18" charset="0"/>
+            </a:endParaRPr>
+          </a:p>
+        </p:txBody>
+      </p:sp>
+      <p:pic>
+        <p:nvPicPr>
+          <p:cNvPr id="12" name="圖片 11">
+            <a:extLst>
+              <a:ext uri="{FF2B5EF4-FFF2-40B4-BE49-F238E27FC236}">
+                <a16:creationId xmlns:a16="http://schemas.microsoft.com/office/drawing/2014/main" id="{B00972A3-F0E2-41B0-9C09-A7EB4BB4AD5E}"/>
+              </a:ext>
+            </a:extLst>
+          </p:cNvPr>
+          <p:cNvPicPr>
+            <a:picLocks noChangeAspect="1"/>
+          </p:cNvPicPr>
+          <p:nvPr/>
+        </p:nvPicPr>
+        <p:blipFill>
+          <a:blip r:embed="rId3"/>
+          <a:stretch>
+            <a:fillRect/>
+          </a:stretch>
+        </p:blipFill>
+        <p:spPr>
+          <a:xfrm>
+            <a:off x="5506110" y="1503932"/>
+            <a:ext cx="3840000" cy="2880000"/>
+          </a:xfrm>
+          <a:prstGeom prst="rect">
+            <a:avLst/>
+          </a:prstGeom>
+        </p:spPr>
+      </p:pic>
+      <p:sp>
+        <p:nvSpPr>
+          <p:cNvPr id="13" name="文字方塊 12">
+            <a:extLst>
+              <a:ext uri="{FF2B5EF4-FFF2-40B4-BE49-F238E27FC236}">
+                <a16:creationId xmlns:a16="http://schemas.microsoft.com/office/drawing/2014/main" id="{74EA99C6-53A1-4A38-8F5E-B3A1D26587D3}"/>
+              </a:ext>
+            </a:extLst>
+          </p:cNvPr>
+          <p:cNvSpPr txBox="1"/>
+          <p:nvPr/>
+        </p:nvSpPr>
+        <p:spPr>
+          <a:xfrm>
+            <a:off x="7538935" y="4238013"/>
+            <a:ext cx="356681" cy="246221"/>
+          </a:xfrm>
+          <a:prstGeom prst="rect">
+            <a:avLst/>
+          </a:prstGeom>
+          <a:noFill/>
+        </p:spPr>
+        <p:txBody>
+          <a:bodyPr wrap="square" rtlCol="0">
+            <a:spAutoFit/>
+          </a:bodyPr>
+          <a:lstStyle/>
+          <a:p>
+            <a:r>
+              <a:rPr lang="en-US" altLang="zh-TW" sz="1000" dirty="0">
+                <a:latin typeface="Times New Roman" panose="02020603050405020304" pitchFamily="18" charset="0"/>
+                <a:cs typeface="Times New Roman" panose="02020603050405020304" pitchFamily="18" charset="0"/>
+              </a:rPr>
+              <a:t>n</a:t>
+            </a:r>
+            <a:endParaRPr lang="zh-TW" altLang="en-US" sz="1000" dirty="0">
+              <a:latin typeface="Times New Roman" panose="02020603050405020304" pitchFamily="18" charset="0"/>
+              <a:cs typeface="Times New Roman" panose="02020603050405020304" pitchFamily="18" charset="0"/>
+            </a:endParaRPr>
           </a:p>
         </p:txBody>
       </p:sp>
@@ -4743,10 +4868,8 @@
           <a:lstStyle/>
           <a:p>
             <a:r>
-              <a:rPr lang="en-US" altLang="zh-TW" sz="2800" dirty="0">
-                <a:cs typeface="Times New Roman" panose="02020603050405020304" pitchFamily="18" charset="0"/>
-              </a:rPr>
-              <a:t>Dereverberation using estimated ATFs or RIRs</a:t>
+              <a:rPr lang="en-US" altLang="zh-TW" sz="2800" dirty="0"/>
+              <a:t>TDOA-based localization result</a:t>
             </a:r>
           </a:p>
         </p:txBody>
@@ -4837,6 +4960,1422 @@
               </a:rPr>
               <a:pPr/>
               <a:t>4</a:t>
+            </a:fld>
+            <a:endParaRPr lang="zh-TW" altLang="en-US">
+              <a:latin typeface="Times New Roman" panose="02020603050405020304" pitchFamily="18" charset="0"/>
+              <a:ea typeface="標楷體" panose="03000509000000000000" pitchFamily="65" charset="-120"/>
+              <a:cs typeface="Times New Roman" panose="02020603050405020304" pitchFamily="18" charset="0"/>
+            </a:endParaRPr>
+          </a:p>
+        </p:txBody>
+      </p:sp>
+      <p:pic>
+        <p:nvPicPr>
+          <p:cNvPr id="7" name="圖片 6">
+            <a:extLst>
+              <a:ext uri="{FF2B5EF4-FFF2-40B4-BE49-F238E27FC236}">
+                <a16:creationId xmlns:a16="http://schemas.microsoft.com/office/drawing/2014/main" id="{D1AD797A-CF9E-4644-96D9-4CF6CE38C0C2}"/>
+              </a:ext>
+            </a:extLst>
+          </p:cNvPr>
+          <p:cNvPicPr>
+            <a:picLocks noChangeAspect="1"/>
+          </p:cNvPicPr>
+          <p:nvPr/>
+        </p:nvPicPr>
+        <p:blipFill>
+          <a:blip r:embed="rId2"/>
+          <a:stretch>
+            <a:fillRect/>
+          </a:stretch>
+        </p:blipFill>
+        <p:spPr>
+          <a:xfrm>
+            <a:off x="4169809" y="899235"/>
+            <a:ext cx="5283419" cy="3981433"/>
+          </a:xfrm>
+          <a:prstGeom prst="rect">
+            <a:avLst/>
+          </a:prstGeom>
+        </p:spPr>
+      </p:pic>
+      <p:graphicFrame>
+        <p:nvGraphicFramePr>
+          <p:cNvPr id="9" name="表格 9">
+            <a:extLst>
+              <a:ext uri="{FF2B5EF4-FFF2-40B4-BE49-F238E27FC236}">
+                <a16:creationId xmlns:a16="http://schemas.microsoft.com/office/drawing/2014/main" id="{5E6E52C0-3AA0-49F5-BEED-8BE8823C2988}"/>
+              </a:ext>
+            </a:extLst>
+          </p:cNvPr>
+          <p:cNvGraphicFramePr>
+            <a:graphicFrameLocks noGrp="1"/>
+          </p:cNvGraphicFramePr>
+          <p:nvPr>
+            <p:extLst>
+              <p:ext uri="{D42A27DB-BD31-4B8C-83A1-F6EECF244321}">
+                <p14:modId xmlns:p14="http://schemas.microsoft.com/office/powerpoint/2010/main" val="452917768"/>
+              </p:ext>
+            </p:extLst>
+          </p:nvPr>
+        </p:nvGraphicFramePr>
+        <p:xfrm>
+          <a:off x="899522" y="5435909"/>
+          <a:ext cx="8894355" cy="1112520"/>
+        </p:xfrm>
+        <a:graphic>
+          <a:graphicData uri="http://schemas.openxmlformats.org/drawingml/2006/table">
+            <a:tbl>
+              <a:tblPr firstRow="1" bandRow="1">
+                <a:tableStyleId>{5C22544A-7EE6-4342-B048-85BDC9FD1C3A}</a:tableStyleId>
+              </a:tblPr>
+              <a:tblGrid>
+                <a:gridCol w="2795082">
+                  <a:extLst>
+                    <a:ext uri="{9D8B030D-6E8A-4147-A177-3AD203B41FA5}">
+                      <a16:colId xmlns:a16="http://schemas.microsoft.com/office/drawing/2014/main" val="2866660496"/>
+                    </a:ext>
+                  </a:extLst>
+                </a:gridCol>
+                <a:gridCol w="2033091">
+                  <a:extLst>
+                    <a:ext uri="{9D8B030D-6E8A-4147-A177-3AD203B41FA5}">
+                      <a16:colId xmlns:a16="http://schemas.microsoft.com/office/drawing/2014/main" val="1385115635"/>
+                    </a:ext>
+                  </a:extLst>
+                </a:gridCol>
+                <a:gridCol w="2033091">
+                  <a:extLst>
+                    <a:ext uri="{9D8B030D-6E8A-4147-A177-3AD203B41FA5}">
+                      <a16:colId xmlns:a16="http://schemas.microsoft.com/office/drawing/2014/main" val="2140451847"/>
+                    </a:ext>
+                  </a:extLst>
+                </a:gridCol>
+                <a:gridCol w="2033091">
+                  <a:extLst>
+                    <a:ext uri="{9D8B030D-6E8A-4147-A177-3AD203B41FA5}">
+                      <a16:colId xmlns:a16="http://schemas.microsoft.com/office/drawing/2014/main" val="1140996085"/>
+                    </a:ext>
+                  </a:extLst>
+                </a:gridCol>
+              </a:tblGrid>
+              <a:tr h="370840">
+                <a:tc>
+                  <a:txBody>
+                    <a:bodyPr/>
+                    <a:lstStyle/>
+                    <a:p>
+                      <a:pPr algn="ctr"/>
+                      <a:endParaRPr lang="zh-TW" altLang="en-US" b="0">
+                        <a:solidFill>
+                          <a:schemeClr val="tx1"/>
+                        </a:solidFill>
+                      </a:endParaRPr>
+                    </a:p>
+                  </a:txBody>
+                  <a:tcPr anchor="ctr">
+                    <a:lnL w="12700" cap="flat" cmpd="sng" algn="ctr">
+                      <a:solidFill>
+                        <a:schemeClr val="tx1"/>
+                      </a:solidFill>
+                      <a:prstDash val="solid"/>
+                      <a:round/>
+                      <a:headEnd type="none" w="med" len="med"/>
+                      <a:tailEnd type="none" w="med" len="med"/>
+                    </a:lnL>
+                    <a:lnR w="12700" cap="flat" cmpd="sng" algn="ctr">
+                      <a:solidFill>
+                        <a:schemeClr val="tx1"/>
+                      </a:solidFill>
+                      <a:prstDash val="solid"/>
+                      <a:round/>
+                      <a:headEnd type="none" w="med" len="med"/>
+                      <a:tailEnd type="none" w="med" len="med"/>
+                    </a:lnR>
+                    <a:lnT w="12700" cap="flat" cmpd="sng" algn="ctr">
+                      <a:solidFill>
+                        <a:schemeClr val="tx1"/>
+                      </a:solidFill>
+                      <a:prstDash val="solid"/>
+                      <a:round/>
+                      <a:headEnd type="none" w="med" len="med"/>
+                      <a:tailEnd type="none" w="med" len="med"/>
+                    </a:lnT>
+                    <a:lnB w="12700" cap="flat" cmpd="sng" algn="ctr">
+                      <a:solidFill>
+                        <a:schemeClr val="tx1"/>
+                      </a:solidFill>
+                      <a:prstDash val="solid"/>
+                      <a:round/>
+                      <a:headEnd type="none" w="med" len="med"/>
+                      <a:tailEnd type="none" w="med" len="med"/>
+                    </a:lnB>
+                    <a:lnTlToBr w="12700" cmpd="sng">
+                      <a:noFill/>
+                      <a:prstDash val="solid"/>
+                    </a:lnTlToBr>
+                    <a:lnBlToTr w="12700" cmpd="sng">
+                      <a:noFill/>
+                      <a:prstDash val="solid"/>
+                    </a:lnBlToTr>
+                    <a:noFill/>
+                  </a:tcPr>
+                </a:tc>
+                <a:tc>
+                  <a:txBody>
+                    <a:bodyPr/>
+                    <a:lstStyle/>
+                    <a:p>
+                      <a:pPr algn="ctr"/>
+                      <a:r>
+                        <a:rPr lang="en-US" altLang="zh-TW" b="0" dirty="0">
+                          <a:solidFill>
+                            <a:schemeClr val="tx1"/>
+                          </a:solidFill>
+                        </a:rPr>
+                        <a:t>x-coordinate</a:t>
+                      </a:r>
+                      <a:endParaRPr lang="zh-TW" altLang="en-US" b="0" dirty="0">
+                        <a:solidFill>
+                          <a:schemeClr val="tx1"/>
+                        </a:solidFill>
+                      </a:endParaRPr>
+                    </a:p>
+                  </a:txBody>
+                  <a:tcPr anchor="ctr">
+                    <a:lnL w="12700" cap="flat" cmpd="sng" algn="ctr">
+                      <a:solidFill>
+                        <a:schemeClr val="tx1"/>
+                      </a:solidFill>
+                      <a:prstDash val="solid"/>
+                      <a:round/>
+                      <a:headEnd type="none" w="med" len="med"/>
+                      <a:tailEnd type="none" w="med" len="med"/>
+                    </a:lnL>
+                    <a:lnR w="12700" cap="flat" cmpd="sng" algn="ctr">
+                      <a:solidFill>
+                        <a:schemeClr val="tx1"/>
+                      </a:solidFill>
+                      <a:prstDash val="solid"/>
+                      <a:round/>
+                      <a:headEnd type="none" w="med" len="med"/>
+                      <a:tailEnd type="none" w="med" len="med"/>
+                    </a:lnR>
+                    <a:lnT w="12700" cap="flat" cmpd="sng" algn="ctr">
+                      <a:solidFill>
+                        <a:schemeClr val="tx1"/>
+                      </a:solidFill>
+                      <a:prstDash val="solid"/>
+                      <a:round/>
+                      <a:headEnd type="none" w="med" len="med"/>
+                      <a:tailEnd type="none" w="med" len="med"/>
+                    </a:lnT>
+                    <a:lnB w="12700" cap="flat" cmpd="sng" algn="ctr">
+                      <a:solidFill>
+                        <a:schemeClr val="tx1"/>
+                      </a:solidFill>
+                      <a:prstDash val="solid"/>
+                      <a:round/>
+                      <a:headEnd type="none" w="med" len="med"/>
+                      <a:tailEnd type="none" w="med" len="med"/>
+                    </a:lnB>
+                    <a:lnTlToBr w="12700" cmpd="sng">
+                      <a:noFill/>
+                      <a:prstDash val="solid"/>
+                    </a:lnTlToBr>
+                    <a:lnBlToTr w="12700" cmpd="sng">
+                      <a:noFill/>
+                      <a:prstDash val="solid"/>
+                    </a:lnBlToTr>
+                    <a:noFill/>
+                  </a:tcPr>
+                </a:tc>
+                <a:tc>
+                  <a:txBody>
+                    <a:bodyPr/>
+                    <a:lstStyle/>
+                    <a:p>
+                      <a:pPr marL="0" marR="0" lvl="0" indent="0" algn="ctr" defTabSz="844083" rtl="0" eaLnBrk="1" fontAlgn="auto" latinLnBrk="0" hangingPunct="1">
+                        <a:lnSpc>
+                          <a:spcPct val="100000"/>
+                        </a:lnSpc>
+                        <a:spcBef>
+                          <a:spcPts val="0"/>
+                        </a:spcBef>
+                        <a:spcAft>
+                          <a:spcPts val="0"/>
+                        </a:spcAft>
+                        <a:buClrTx/>
+                        <a:buSzTx/>
+                        <a:buFontTx/>
+                        <a:buNone/>
+                        <a:tabLst/>
+                        <a:defRPr/>
+                      </a:pPr>
+                      <a:r>
+                        <a:rPr lang="en-US" altLang="zh-TW" b="0" dirty="0">
+                          <a:solidFill>
+                            <a:schemeClr val="tx1"/>
+                          </a:solidFill>
+                        </a:rPr>
+                        <a:t>y-coordinate</a:t>
+                      </a:r>
+                      <a:endParaRPr lang="zh-TW" altLang="en-US" b="0" dirty="0">
+                        <a:solidFill>
+                          <a:schemeClr val="tx1"/>
+                        </a:solidFill>
+                      </a:endParaRPr>
+                    </a:p>
+                  </a:txBody>
+                  <a:tcPr anchor="ctr">
+                    <a:lnL w="12700" cap="flat" cmpd="sng" algn="ctr">
+                      <a:solidFill>
+                        <a:schemeClr val="tx1"/>
+                      </a:solidFill>
+                      <a:prstDash val="solid"/>
+                      <a:round/>
+                      <a:headEnd type="none" w="med" len="med"/>
+                      <a:tailEnd type="none" w="med" len="med"/>
+                    </a:lnL>
+                    <a:lnR w="12700" cap="flat" cmpd="sng" algn="ctr">
+                      <a:solidFill>
+                        <a:schemeClr val="tx1"/>
+                      </a:solidFill>
+                      <a:prstDash val="solid"/>
+                      <a:round/>
+                      <a:headEnd type="none" w="med" len="med"/>
+                      <a:tailEnd type="none" w="med" len="med"/>
+                    </a:lnR>
+                    <a:lnT w="12700" cap="flat" cmpd="sng" algn="ctr">
+                      <a:solidFill>
+                        <a:schemeClr val="tx1"/>
+                      </a:solidFill>
+                      <a:prstDash val="solid"/>
+                      <a:round/>
+                      <a:headEnd type="none" w="med" len="med"/>
+                      <a:tailEnd type="none" w="med" len="med"/>
+                    </a:lnT>
+                    <a:lnB w="12700" cap="flat" cmpd="sng" algn="ctr">
+                      <a:solidFill>
+                        <a:schemeClr val="tx1"/>
+                      </a:solidFill>
+                      <a:prstDash val="solid"/>
+                      <a:round/>
+                      <a:headEnd type="none" w="med" len="med"/>
+                      <a:tailEnd type="none" w="med" len="med"/>
+                    </a:lnB>
+                    <a:lnTlToBr w="12700" cmpd="sng">
+                      <a:noFill/>
+                      <a:prstDash val="solid"/>
+                    </a:lnTlToBr>
+                    <a:lnBlToTr w="12700" cmpd="sng">
+                      <a:noFill/>
+                      <a:prstDash val="solid"/>
+                    </a:lnBlToTr>
+                    <a:noFill/>
+                  </a:tcPr>
+                </a:tc>
+                <a:tc>
+                  <a:txBody>
+                    <a:bodyPr/>
+                    <a:lstStyle/>
+                    <a:p>
+                      <a:pPr marL="0" marR="0" lvl="0" indent="0" algn="ctr" defTabSz="844083" rtl="0" eaLnBrk="1" fontAlgn="auto" latinLnBrk="0" hangingPunct="1">
+                        <a:lnSpc>
+                          <a:spcPct val="100000"/>
+                        </a:lnSpc>
+                        <a:spcBef>
+                          <a:spcPts val="0"/>
+                        </a:spcBef>
+                        <a:spcAft>
+                          <a:spcPts val="0"/>
+                        </a:spcAft>
+                        <a:buClrTx/>
+                        <a:buSzTx/>
+                        <a:buFontTx/>
+                        <a:buNone/>
+                        <a:tabLst/>
+                        <a:defRPr/>
+                      </a:pPr>
+                      <a:r>
+                        <a:rPr lang="en-US" altLang="zh-TW" b="0" dirty="0">
+                          <a:solidFill>
+                            <a:schemeClr val="tx1"/>
+                          </a:solidFill>
+                        </a:rPr>
+                        <a:t>z-coordinate</a:t>
+                      </a:r>
+                      <a:endParaRPr lang="zh-TW" altLang="en-US" b="0" dirty="0">
+                        <a:solidFill>
+                          <a:schemeClr val="tx1"/>
+                        </a:solidFill>
+                      </a:endParaRPr>
+                    </a:p>
+                  </a:txBody>
+                  <a:tcPr anchor="ctr">
+                    <a:lnL w="12700" cap="flat" cmpd="sng" algn="ctr">
+                      <a:solidFill>
+                        <a:schemeClr val="tx1"/>
+                      </a:solidFill>
+                      <a:prstDash val="solid"/>
+                      <a:round/>
+                      <a:headEnd type="none" w="med" len="med"/>
+                      <a:tailEnd type="none" w="med" len="med"/>
+                    </a:lnL>
+                    <a:lnR w="12700" cap="flat" cmpd="sng" algn="ctr">
+                      <a:solidFill>
+                        <a:schemeClr val="tx1"/>
+                      </a:solidFill>
+                      <a:prstDash val="solid"/>
+                      <a:round/>
+                      <a:headEnd type="none" w="med" len="med"/>
+                      <a:tailEnd type="none" w="med" len="med"/>
+                    </a:lnR>
+                    <a:lnT w="12700" cap="flat" cmpd="sng" algn="ctr">
+                      <a:solidFill>
+                        <a:schemeClr val="tx1"/>
+                      </a:solidFill>
+                      <a:prstDash val="solid"/>
+                      <a:round/>
+                      <a:headEnd type="none" w="med" len="med"/>
+                      <a:tailEnd type="none" w="med" len="med"/>
+                    </a:lnT>
+                    <a:lnB w="12700" cap="flat" cmpd="sng" algn="ctr">
+                      <a:solidFill>
+                        <a:schemeClr val="tx1"/>
+                      </a:solidFill>
+                      <a:prstDash val="solid"/>
+                      <a:round/>
+                      <a:headEnd type="none" w="med" len="med"/>
+                      <a:tailEnd type="none" w="med" len="med"/>
+                    </a:lnB>
+                    <a:lnTlToBr w="12700" cmpd="sng">
+                      <a:noFill/>
+                      <a:prstDash val="solid"/>
+                    </a:lnTlToBr>
+                    <a:lnBlToTr w="12700" cmpd="sng">
+                      <a:noFill/>
+                      <a:prstDash val="solid"/>
+                    </a:lnBlToTr>
+                    <a:noFill/>
+                  </a:tcPr>
+                </a:tc>
+                <a:extLst>
+                  <a:ext uri="{0D108BD9-81ED-4DB2-BD59-A6C34878D82A}">
+                    <a16:rowId xmlns:a16="http://schemas.microsoft.com/office/drawing/2014/main" val="750002788"/>
+                  </a:ext>
+                </a:extLst>
+              </a:tr>
+              <a:tr h="370840">
+                <a:tc>
+                  <a:txBody>
+                    <a:bodyPr/>
+                    <a:lstStyle/>
+                    <a:p>
+                      <a:pPr algn="ctr"/>
+                      <a:r>
+                        <a:rPr lang="en-US" altLang="zh-TW" b="0" dirty="0">
+                          <a:solidFill>
+                            <a:schemeClr val="tx1"/>
+                          </a:solidFill>
+                        </a:rPr>
+                        <a:t>Ground-truth location (m)</a:t>
+                      </a:r>
+                      <a:endParaRPr lang="zh-TW" altLang="en-US" b="0" dirty="0">
+                        <a:solidFill>
+                          <a:schemeClr val="tx1"/>
+                        </a:solidFill>
+                      </a:endParaRPr>
+                    </a:p>
+                  </a:txBody>
+                  <a:tcPr anchor="ctr">
+                    <a:lnL w="12700" cap="flat" cmpd="sng" algn="ctr">
+                      <a:solidFill>
+                        <a:schemeClr val="tx1"/>
+                      </a:solidFill>
+                      <a:prstDash val="solid"/>
+                      <a:round/>
+                      <a:headEnd type="none" w="med" len="med"/>
+                      <a:tailEnd type="none" w="med" len="med"/>
+                    </a:lnL>
+                    <a:lnR w="12700" cap="flat" cmpd="sng" algn="ctr">
+                      <a:solidFill>
+                        <a:schemeClr val="tx1"/>
+                      </a:solidFill>
+                      <a:prstDash val="solid"/>
+                      <a:round/>
+                      <a:headEnd type="none" w="med" len="med"/>
+                      <a:tailEnd type="none" w="med" len="med"/>
+                    </a:lnR>
+                    <a:lnT w="12700" cap="flat" cmpd="sng" algn="ctr">
+                      <a:solidFill>
+                        <a:schemeClr val="tx1"/>
+                      </a:solidFill>
+                      <a:prstDash val="solid"/>
+                      <a:round/>
+                      <a:headEnd type="none" w="med" len="med"/>
+                      <a:tailEnd type="none" w="med" len="med"/>
+                    </a:lnT>
+                    <a:lnB w="12700" cap="flat" cmpd="sng" algn="ctr">
+                      <a:solidFill>
+                        <a:schemeClr val="tx1"/>
+                      </a:solidFill>
+                      <a:prstDash val="solid"/>
+                      <a:round/>
+                      <a:headEnd type="none" w="med" len="med"/>
+                      <a:tailEnd type="none" w="med" len="med"/>
+                    </a:lnB>
+                    <a:lnTlToBr w="12700" cmpd="sng">
+                      <a:noFill/>
+                      <a:prstDash val="solid"/>
+                    </a:lnTlToBr>
+                    <a:lnBlToTr w="12700" cmpd="sng">
+                      <a:noFill/>
+                      <a:prstDash val="solid"/>
+                    </a:lnBlToTr>
+                    <a:noFill/>
+                  </a:tcPr>
+                </a:tc>
+                <a:tc>
+                  <a:txBody>
+                    <a:bodyPr/>
+                    <a:lstStyle/>
+                    <a:p>
+                      <a:pPr algn="ctr"/>
+                      <a:r>
+                        <a:rPr lang="en-US" altLang="zh-TW" b="0" dirty="0">
+                          <a:solidFill>
+                            <a:schemeClr val="tx1"/>
+                          </a:solidFill>
+                        </a:rPr>
+                        <a:t>2.1</a:t>
+                      </a:r>
+                      <a:endParaRPr lang="zh-TW" altLang="en-US" b="0" dirty="0">
+                        <a:solidFill>
+                          <a:schemeClr val="tx1"/>
+                        </a:solidFill>
+                      </a:endParaRPr>
+                    </a:p>
+                  </a:txBody>
+                  <a:tcPr anchor="ctr">
+                    <a:lnL w="12700" cap="flat" cmpd="sng" algn="ctr">
+                      <a:solidFill>
+                        <a:schemeClr val="tx1"/>
+                      </a:solidFill>
+                      <a:prstDash val="solid"/>
+                      <a:round/>
+                      <a:headEnd type="none" w="med" len="med"/>
+                      <a:tailEnd type="none" w="med" len="med"/>
+                    </a:lnL>
+                    <a:lnR w="12700" cap="flat" cmpd="sng" algn="ctr">
+                      <a:solidFill>
+                        <a:schemeClr val="tx1"/>
+                      </a:solidFill>
+                      <a:prstDash val="solid"/>
+                      <a:round/>
+                      <a:headEnd type="none" w="med" len="med"/>
+                      <a:tailEnd type="none" w="med" len="med"/>
+                    </a:lnR>
+                    <a:lnT w="12700" cap="flat" cmpd="sng" algn="ctr">
+                      <a:solidFill>
+                        <a:schemeClr val="tx1"/>
+                      </a:solidFill>
+                      <a:prstDash val="solid"/>
+                      <a:round/>
+                      <a:headEnd type="none" w="med" len="med"/>
+                      <a:tailEnd type="none" w="med" len="med"/>
+                    </a:lnT>
+                    <a:lnB w="12700" cap="flat" cmpd="sng" algn="ctr">
+                      <a:solidFill>
+                        <a:schemeClr val="tx1"/>
+                      </a:solidFill>
+                      <a:prstDash val="solid"/>
+                      <a:round/>
+                      <a:headEnd type="none" w="med" len="med"/>
+                      <a:tailEnd type="none" w="med" len="med"/>
+                    </a:lnB>
+                    <a:lnTlToBr w="12700" cmpd="sng">
+                      <a:noFill/>
+                      <a:prstDash val="solid"/>
+                    </a:lnTlToBr>
+                    <a:lnBlToTr w="12700" cmpd="sng">
+                      <a:noFill/>
+                      <a:prstDash val="solid"/>
+                    </a:lnBlToTr>
+                    <a:noFill/>
+                  </a:tcPr>
+                </a:tc>
+                <a:tc>
+                  <a:txBody>
+                    <a:bodyPr/>
+                    <a:lstStyle/>
+                    <a:p>
+                      <a:pPr algn="ctr"/>
+                      <a:r>
+                        <a:rPr lang="en-US" altLang="zh-TW" b="0" dirty="0">
+                          <a:solidFill>
+                            <a:schemeClr val="tx1"/>
+                          </a:solidFill>
+                        </a:rPr>
+                        <a:t>2.15</a:t>
+                      </a:r>
+                      <a:endParaRPr lang="zh-TW" altLang="en-US" b="0" dirty="0">
+                        <a:solidFill>
+                          <a:schemeClr val="tx1"/>
+                        </a:solidFill>
+                      </a:endParaRPr>
+                    </a:p>
+                  </a:txBody>
+                  <a:tcPr anchor="ctr">
+                    <a:lnL w="12700" cap="flat" cmpd="sng" algn="ctr">
+                      <a:solidFill>
+                        <a:schemeClr val="tx1"/>
+                      </a:solidFill>
+                      <a:prstDash val="solid"/>
+                      <a:round/>
+                      <a:headEnd type="none" w="med" len="med"/>
+                      <a:tailEnd type="none" w="med" len="med"/>
+                    </a:lnL>
+                    <a:lnR w="12700" cap="flat" cmpd="sng" algn="ctr">
+                      <a:solidFill>
+                        <a:schemeClr val="tx1"/>
+                      </a:solidFill>
+                      <a:prstDash val="solid"/>
+                      <a:round/>
+                      <a:headEnd type="none" w="med" len="med"/>
+                      <a:tailEnd type="none" w="med" len="med"/>
+                    </a:lnR>
+                    <a:lnT w="12700" cap="flat" cmpd="sng" algn="ctr">
+                      <a:solidFill>
+                        <a:schemeClr val="tx1"/>
+                      </a:solidFill>
+                      <a:prstDash val="solid"/>
+                      <a:round/>
+                      <a:headEnd type="none" w="med" len="med"/>
+                      <a:tailEnd type="none" w="med" len="med"/>
+                    </a:lnT>
+                    <a:lnB w="12700" cap="flat" cmpd="sng" algn="ctr">
+                      <a:solidFill>
+                        <a:schemeClr val="tx1"/>
+                      </a:solidFill>
+                      <a:prstDash val="solid"/>
+                      <a:round/>
+                      <a:headEnd type="none" w="med" len="med"/>
+                      <a:tailEnd type="none" w="med" len="med"/>
+                    </a:lnB>
+                    <a:lnTlToBr w="12700" cmpd="sng">
+                      <a:noFill/>
+                      <a:prstDash val="solid"/>
+                    </a:lnTlToBr>
+                    <a:lnBlToTr w="12700" cmpd="sng">
+                      <a:noFill/>
+                      <a:prstDash val="solid"/>
+                    </a:lnBlToTr>
+                    <a:noFill/>
+                  </a:tcPr>
+                </a:tc>
+                <a:tc>
+                  <a:txBody>
+                    <a:bodyPr/>
+                    <a:lstStyle/>
+                    <a:p>
+                      <a:pPr algn="ctr"/>
+                      <a:r>
+                        <a:rPr lang="en-US" altLang="zh-TW" b="0" dirty="0">
+                          <a:solidFill>
+                            <a:schemeClr val="tx1"/>
+                          </a:solidFill>
+                        </a:rPr>
+                        <a:t>1.1</a:t>
+                      </a:r>
+                      <a:endParaRPr lang="zh-TW" altLang="en-US" b="0" dirty="0">
+                        <a:solidFill>
+                          <a:schemeClr val="tx1"/>
+                        </a:solidFill>
+                      </a:endParaRPr>
+                    </a:p>
+                  </a:txBody>
+                  <a:tcPr anchor="ctr">
+                    <a:lnL w="12700" cap="flat" cmpd="sng" algn="ctr">
+                      <a:solidFill>
+                        <a:schemeClr val="tx1"/>
+                      </a:solidFill>
+                      <a:prstDash val="solid"/>
+                      <a:round/>
+                      <a:headEnd type="none" w="med" len="med"/>
+                      <a:tailEnd type="none" w="med" len="med"/>
+                    </a:lnL>
+                    <a:lnR w="12700" cap="flat" cmpd="sng" algn="ctr">
+                      <a:solidFill>
+                        <a:schemeClr val="tx1"/>
+                      </a:solidFill>
+                      <a:prstDash val="solid"/>
+                      <a:round/>
+                      <a:headEnd type="none" w="med" len="med"/>
+                      <a:tailEnd type="none" w="med" len="med"/>
+                    </a:lnR>
+                    <a:lnT w="12700" cap="flat" cmpd="sng" algn="ctr">
+                      <a:solidFill>
+                        <a:schemeClr val="tx1"/>
+                      </a:solidFill>
+                      <a:prstDash val="solid"/>
+                      <a:round/>
+                      <a:headEnd type="none" w="med" len="med"/>
+                      <a:tailEnd type="none" w="med" len="med"/>
+                    </a:lnT>
+                    <a:lnB w="12700" cap="flat" cmpd="sng" algn="ctr">
+                      <a:solidFill>
+                        <a:schemeClr val="tx1"/>
+                      </a:solidFill>
+                      <a:prstDash val="solid"/>
+                      <a:round/>
+                      <a:headEnd type="none" w="med" len="med"/>
+                      <a:tailEnd type="none" w="med" len="med"/>
+                    </a:lnB>
+                    <a:lnTlToBr w="12700" cmpd="sng">
+                      <a:noFill/>
+                      <a:prstDash val="solid"/>
+                    </a:lnTlToBr>
+                    <a:lnBlToTr w="12700" cmpd="sng">
+                      <a:noFill/>
+                      <a:prstDash val="solid"/>
+                    </a:lnBlToTr>
+                    <a:noFill/>
+                  </a:tcPr>
+                </a:tc>
+                <a:extLst>
+                  <a:ext uri="{0D108BD9-81ED-4DB2-BD59-A6C34878D82A}">
+                    <a16:rowId xmlns:a16="http://schemas.microsoft.com/office/drawing/2014/main" val="2232169474"/>
+                  </a:ext>
+                </a:extLst>
+              </a:tr>
+              <a:tr h="370840">
+                <a:tc>
+                  <a:txBody>
+                    <a:bodyPr/>
+                    <a:lstStyle/>
+                    <a:p>
+                      <a:pPr algn="ctr"/>
+                      <a:r>
+                        <a:rPr lang="en-US" altLang="zh-TW" b="0" dirty="0">
+                          <a:solidFill>
+                            <a:schemeClr val="tx1"/>
+                          </a:solidFill>
+                        </a:rPr>
+                        <a:t>Estimated location (m)</a:t>
+                      </a:r>
+                      <a:endParaRPr lang="zh-TW" altLang="en-US" b="0" dirty="0">
+                        <a:solidFill>
+                          <a:schemeClr val="tx1"/>
+                        </a:solidFill>
+                      </a:endParaRPr>
+                    </a:p>
+                  </a:txBody>
+                  <a:tcPr anchor="ctr">
+                    <a:lnL w="12700" cap="flat" cmpd="sng" algn="ctr">
+                      <a:solidFill>
+                        <a:schemeClr val="tx1"/>
+                      </a:solidFill>
+                      <a:prstDash val="solid"/>
+                      <a:round/>
+                      <a:headEnd type="none" w="med" len="med"/>
+                      <a:tailEnd type="none" w="med" len="med"/>
+                    </a:lnL>
+                    <a:lnR w="12700" cap="flat" cmpd="sng" algn="ctr">
+                      <a:solidFill>
+                        <a:schemeClr val="tx1"/>
+                      </a:solidFill>
+                      <a:prstDash val="solid"/>
+                      <a:round/>
+                      <a:headEnd type="none" w="med" len="med"/>
+                      <a:tailEnd type="none" w="med" len="med"/>
+                    </a:lnR>
+                    <a:lnT w="12700" cap="flat" cmpd="sng" algn="ctr">
+                      <a:solidFill>
+                        <a:schemeClr val="tx1"/>
+                      </a:solidFill>
+                      <a:prstDash val="solid"/>
+                      <a:round/>
+                      <a:headEnd type="none" w="med" len="med"/>
+                      <a:tailEnd type="none" w="med" len="med"/>
+                    </a:lnT>
+                    <a:lnB w="12700" cap="flat" cmpd="sng" algn="ctr">
+                      <a:solidFill>
+                        <a:schemeClr val="tx1"/>
+                      </a:solidFill>
+                      <a:prstDash val="solid"/>
+                      <a:round/>
+                      <a:headEnd type="none" w="med" len="med"/>
+                      <a:tailEnd type="none" w="med" len="med"/>
+                    </a:lnB>
+                    <a:lnTlToBr w="12700" cmpd="sng">
+                      <a:noFill/>
+                      <a:prstDash val="solid"/>
+                    </a:lnTlToBr>
+                    <a:lnBlToTr w="12700" cmpd="sng">
+                      <a:noFill/>
+                      <a:prstDash val="solid"/>
+                    </a:lnBlToTr>
+                    <a:noFill/>
+                  </a:tcPr>
+                </a:tc>
+                <a:tc>
+                  <a:txBody>
+                    <a:bodyPr/>
+                    <a:lstStyle/>
+                    <a:p>
+                      <a:pPr algn="ctr"/>
+                      <a:r>
+                        <a:rPr lang="en-US" altLang="zh-TW" b="0" dirty="0">
+                          <a:solidFill>
+                            <a:schemeClr val="tx1"/>
+                          </a:solidFill>
+                        </a:rPr>
+                        <a:t>2.1019</a:t>
+                      </a:r>
+                      <a:endParaRPr lang="zh-TW" altLang="en-US" b="0" dirty="0">
+                        <a:solidFill>
+                          <a:schemeClr val="tx1"/>
+                        </a:solidFill>
+                      </a:endParaRPr>
+                    </a:p>
+                  </a:txBody>
+                  <a:tcPr anchor="ctr">
+                    <a:lnL w="12700" cap="flat" cmpd="sng" algn="ctr">
+                      <a:solidFill>
+                        <a:schemeClr val="tx1"/>
+                      </a:solidFill>
+                      <a:prstDash val="solid"/>
+                      <a:round/>
+                      <a:headEnd type="none" w="med" len="med"/>
+                      <a:tailEnd type="none" w="med" len="med"/>
+                    </a:lnL>
+                    <a:lnR w="12700" cap="flat" cmpd="sng" algn="ctr">
+                      <a:solidFill>
+                        <a:schemeClr val="tx1"/>
+                      </a:solidFill>
+                      <a:prstDash val="solid"/>
+                      <a:round/>
+                      <a:headEnd type="none" w="med" len="med"/>
+                      <a:tailEnd type="none" w="med" len="med"/>
+                    </a:lnR>
+                    <a:lnT w="12700" cap="flat" cmpd="sng" algn="ctr">
+                      <a:solidFill>
+                        <a:schemeClr val="tx1"/>
+                      </a:solidFill>
+                      <a:prstDash val="solid"/>
+                      <a:round/>
+                      <a:headEnd type="none" w="med" len="med"/>
+                      <a:tailEnd type="none" w="med" len="med"/>
+                    </a:lnT>
+                    <a:lnB w="12700" cap="flat" cmpd="sng" algn="ctr">
+                      <a:solidFill>
+                        <a:schemeClr val="tx1"/>
+                      </a:solidFill>
+                      <a:prstDash val="solid"/>
+                      <a:round/>
+                      <a:headEnd type="none" w="med" len="med"/>
+                      <a:tailEnd type="none" w="med" len="med"/>
+                    </a:lnB>
+                    <a:lnTlToBr w="12700" cmpd="sng">
+                      <a:noFill/>
+                      <a:prstDash val="solid"/>
+                    </a:lnTlToBr>
+                    <a:lnBlToTr w="12700" cmpd="sng">
+                      <a:noFill/>
+                      <a:prstDash val="solid"/>
+                    </a:lnBlToTr>
+                    <a:noFill/>
+                  </a:tcPr>
+                </a:tc>
+                <a:tc>
+                  <a:txBody>
+                    <a:bodyPr/>
+                    <a:lstStyle/>
+                    <a:p>
+                      <a:pPr algn="ctr"/>
+                      <a:r>
+                        <a:rPr lang="en-US" altLang="zh-TW" b="0" dirty="0">
+                          <a:solidFill>
+                            <a:schemeClr val="tx1"/>
+                          </a:solidFill>
+                        </a:rPr>
+                        <a:t>2.1481</a:t>
+                      </a:r>
+                      <a:endParaRPr lang="zh-TW" altLang="en-US" b="0" dirty="0">
+                        <a:solidFill>
+                          <a:schemeClr val="tx1"/>
+                        </a:solidFill>
+                      </a:endParaRPr>
+                    </a:p>
+                  </a:txBody>
+                  <a:tcPr anchor="ctr">
+                    <a:lnL w="12700" cap="flat" cmpd="sng" algn="ctr">
+                      <a:solidFill>
+                        <a:schemeClr val="tx1"/>
+                      </a:solidFill>
+                      <a:prstDash val="solid"/>
+                      <a:round/>
+                      <a:headEnd type="none" w="med" len="med"/>
+                      <a:tailEnd type="none" w="med" len="med"/>
+                    </a:lnL>
+                    <a:lnR w="12700" cap="flat" cmpd="sng" algn="ctr">
+                      <a:solidFill>
+                        <a:schemeClr val="tx1"/>
+                      </a:solidFill>
+                      <a:prstDash val="solid"/>
+                      <a:round/>
+                      <a:headEnd type="none" w="med" len="med"/>
+                      <a:tailEnd type="none" w="med" len="med"/>
+                    </a:lnR>
+                    <a:lnT w="12700" cap="flat" cmpd="sng" algn="ctr">
+                      <a:solidFill>
+                        <a:schemeClr val="tx1"/>
+                      </a:solidFill>
+                      <a:prstDash val="solid"/>
+                      <a:round/>
+                      <a:headEnd type="none" w="med" len="med"/>
+                      <a:tailEnd type="none" w="med" len="med"/>
+                    </a:lnT>
+                    <a:lnB w="12700" cap="flat" cmpd="sng" algn="ctr">
+                      <a:solidFill>
+                        <a:schemeClr val="tx1"/>
+                      </a:solidFill>
+                      <a:prstDash val="solid"/>
+                      <a:round/>
+                      <a:headEnd type="none" w="med" len="med"/>
+                      <a:tailEnd type="none" w="med" len="med"/>
+                    </a:lnB>
+                    <a:lnTlToBr w="12700" cmpd="sng">
+                      <a:noFill/>
+                      <a:prstDash val="solid"/>
+                    </a:lnTlToBr>
+                    <a:lnBlToTr w="12700" cmpd="sng">
+                      <a:noFill/>
+                      <a:prstDash val="solid"/>
+                    </a:lnBlToTr>
+                    <a:noFill/>
+                  </a:tcPr>
+                </a:tc>
+                <a:tc>
+                  <a:txBody>
+                    <a:bodyPr/>
+                    <a:lstStyle/>
+                    <a:p>
+                      <a:pPr algn="ctr"/>
+                      <a:r>
+                        <a:rPr lang="en-US" altLang="zh-TW" b="0" dirty="0">
+                          <a:solidFill>
+                            <a:schemeClr val="tx1"/>
+                          </a:solidFill>
+                        </a:rPr>
+                        <a:t>1.1019</a:t>
+                      </a:r>
+                      <a:endParaRPr lang="zh-TW" altLang="en-US" b="0" dirty="0">
+                        <a:solidFill>
+                          <a:schemeClr val="tx1"/>
+                        </a:solidFill>
+                      </a:endParaRPr>
+                    </a:p>
+                  </a:txBody>
+                  <a:tcPr anchor="ctr">
+                    <a:lnL w="12700" cap="flat" cmpd="sng" algn="ctr">
+                      <a:solidFill>
+                        <a:schemeClr val="tx1"/>
+                      </a:solidFill>
+                      <a:prstDash val="solid"/>
+                      <a:round/>
+                      <a:headEnd type="none" w="med" len="med"/>
+                      <a:tailEnd type="none" w="med" len="med"/>
+                    </a:lnL>
+                    <a:lnR w="12700" cap="flat" cmpd="sng" algn="ctr">
+                      <a:solidFill>
+                        <a:schemeClr val="tx1"/>
+                      </a:solidFill>
+                      <a:prstDash val="solid"/>
+                      <a:round/>
+                      <a:headEnd type="none" w="med" len="med"/>
+                      <a:tailEnd type="none" w="med" len="med"/>
+                    </a:lnR>
+                    <a:lnT w="12700" cap="flat" cmpd="sng" algn="ctr">
+                      <a:solidFill>
+                        <a:schemeClr val="tx1"/>
+                      </a:solidFill>
+                      <a:prstDash val="solid"/>
+                      <a:round/>
+                      <a:headEnd type="none" w="med" len="med"/>
+                      <a:tailEnd type="none" w="med" len="med"/>
+                    </a:lnT>
+                    <a:lnB w="12700" cap="flat" cmpd="sng" algn="ctr">
+                      <a:solidFill>
+                        <a:schemeClr val="tx1"/>
+                      </a:solidFill>
+                      <a:prstDash val="solid"/>
+                      <a:round/>
+                      <a:headEnd type="none" w="med" len="med"/>
+                      <a:tailEnd type="none" w="med" len="med"/>
+                    </a:lnB>
+                    <a:lnTlToBr w="12700" cmpd="sng">
+                      <a:noFill/>
+                      <a:prstDash val="solid"/>
+                    </a:lnTlToBr>
+                    <a:lnBlToTr w="12700" cmpd="sng">
+                      <a:noFill/>
+                      <a:prstDash val="solid"/>
+                    </a:lnBlToTr>
+                    <a:noFill/>
+                  </a:tcPr>
+                </a:tc>
+                <a:extLst>
+                  <a:ext uri="{0D108BD9-81ED-4DB2-BD59-A6C34878D82A}">
+                    <a16:rowId xmlns:a16="http://schemas.microsoft.com/office/drawing/2014/main" val="1833837110"/>
+                  </a:ext>
+                </a:extLst>
+              </a:tr>
+            </a:tbl>
+          </a:graphicData>
+        </a:graphic>
+      </p:graphicFrame>
+      <p:pic>
+        <p:nvPicPr>
+          <p:cNvPr id="10" name="圖片 9">
+            <a:extLst>
+              <a:ext uri="{FF2B5EF4-FFF2-40B4-BE49-F238E27FC236}">
+                <a16:creationId xmlns:a16="http://schemas.microsoft.com/office/drawing/2014/main" id="{7BBAC90B-9584-4C29-86ED-8E0457A2BBC0}"/>
+              </a:ext>
+            </a:extLst>
+          </p:cNvPr>
+          <p:cNvPicPr>
+            <a:picLocks noChangeAspect="1"/>
+          </p:cNvPicPr>
+          <p:nvPr/>
+        </p:nvPicPr>
+        <p:blipFill>
+          <a:blip r:embed="rId3"/>
+          <a:stretch>
+            <a:fillRect/>
+          </a:stretch>
+        </p:blipFill>
+        <p:spPr>
+          <a:xfrm>
+            <a:off x="723285" y="1737892"/>
+            <a:ext cx="352474" cy="466790"/>
+          </a:xfrm>
+          <a:prstGeom prst="rect">
+            <a:avLst/>
+          </a:prstGeom>
+        </p:spPr>
+      </p:pic>
+      <p:sp>
+        <p:nvSpPr>
+          <p:cNvPr id="12" name="文字方塊 11">
+            <a:extLst>
+              <a:ext uri="{FF2B5EF4-FFF2-40B4-BE49-F238E27FC236}">
+                <a16:creationId xmlns:a16="http://schemas.microsoft.com/office/drawing/2014/main" id="{095F19B1-CF1E-44F6-AE6D-46DB6BC74C16}"/>
+              </a:ext>
+            </a:extLst>
+          </p:cNvPr>
+          <p:cNvSpPr txBox="1"/>
+          <p:nvPr/>
+        </p:nvSpPr>
+        <p:spPr>
+          <a:xfrm>
+            <a:off x="1075759" y="1767160"/>
+            <a:ext cx="5346970" cy="408253"/>
+          </a:xfrm>
+          <a:prstGeom prst="rect">
+            <a:avLst/>
+          </a:prstGeom>
+          <a:noFill/>
+        </p:spPr>
+        <p:txBody>
+          <a:bodyPr wrap="square">
+            <a:spAutoFit/>
+          </a:bodyPr>
+          <a:lstStyle/>
+          <a:p>
+            <a:r>
+              <a:rPr lang="en-US" altLang="zh-TW" b="0" dirty="0">
+                <a:solidFill>
+                  <a:schemeClr val="tx1"/>
+                </a:solidFill>
+                <a:latin typeface="Times New Roman" panose="02020603050405020304" pitchFamily="18" charset="0"/>
+                <a:cs typeface="Times New Roman" panose="02020603050405020304" pitchFamily="18" charset="0"/>
+              </a:rPr>
+              <a:t>Ground-truth location </a:t>
+            </a:r>
+            <a:endParaRPr lang="zh-TW" altLang="en-US" dirty="0">
+              <a:latin typeface="Times New Roman" panose="02020603050405020304" pitchFamily="18" charset="0"/>
+              <a:cs typeface="Times New Roman" panose="02020603050405020304" pitchFamily="18" charset="0"/>
+            </a:endParaRPr>
+          </a:p>
+        </p:txBody>
+      </p:sp>
+      <p:sp>
+        <p:nvSpPr>
+          <p:cNvPr id="14" name="文字方塊 13">
+            <a:extLst>
+              <a:ext uri="{FF2B5EF4-FFF2-40B4-BE49-F238E27FC236}">
+                <a16:creationId xmlns:a16="http://schemas.microsoft.com/office/drawing/2014/main" id="{BF793BF8-10EA-4719-BFE9-798C9C7787D5}"/>
+              </a:ext>
+            </a:extLst>
+          </p:cNvPr>
+          <p:cNvSpPr txBox="1"/>
+          <p:nvPr/>
+        </p:nvSpPr>
+        <p:spPr>
+          <a:xfrm>
+            <a:off x="1108184" y="2351591"/>
+            <a:ext cx="5346970" cy="408253"/>
+          </a:xfrm>
+          <a:prstGeom prst="rect">
+            <a:avLst/>
+          </a:prstGeom>
+          <a:noFill/>
+        </p:spPr>
+        <p:txBody>
+          <a:bodyPr wrap="square">
+            <a:spAutoFit/>
+          </a:bodyPr>
+          <a:lstStyle/>
+          <a:p>
+            <a:r>
+              <a:rPr lang="en-US" altLang="zh-TW" b="0" dirty="0">
+                <a:solidFill>
+                  <a:schemeClr val="tx1"/>
+                </a:solidFill>
+                <a:latin typeface="Times New Roman" panose="02020603050405020304" pitchFamily="18" charset="0"/>
+                <a:cs typeface="Times New Roman" panose="02020603050405020304" pitchFamily="18" charset="0"/>
+              </a:rPr>
+              <a:t>Estimated location </a:t>
+            </a:r>
+            <a:endParaRPr lang="zh-TW" altLang="en-US" dirty="0">
+              <a:latin typeface="Times New Roman" panose="02020603050405020304" pitchFamily="18" charset="0"/>
+              <a:cs typeface="Times New Roman" panose="02020603050405020304" pitchFamily="18" charset="0"/>
+            </a:endParaRPr>
+          </a:p>
+        </p:txBody>
+      </p:sp>
+      <p:cxnSp>
+        <p:nvCxnSpPr>
+          <p:cNvPr id="16" name="直線接點 15">
+            <a:extLst>
+              <a:ext uri="{FF2B5EF4-FFF2-40B4-BE49-F238E27FC236}">
+                <a16:creationId xmlns:a16="http://schemas.microsoft.com/office/drawing/2014/main" id="{3D42BE5D-F1EF-48E2-9A21-0D87372F2FE2}"/>
+              </a:ext>
+            </a:extLst>
+          </p:cNvPr>
+          <p:cNvCxnSpPr/>
+          <p:nvPr/>
+        </p:nvCxnSpPr>
+        <p:spPr>
+          <a:xfrm>
+            <a:off x="886552" y="2464925"/>
+            <a:ext cx="0" cy="214009"/>
+          </a:xfrm>
+          <a:prstGeom prst="line">
+            <a:avLst/>
+          </a:prstGeom>
+          <a:ln w="12700"/>
+        </p:spPr>
+        <p:style>
+          <a:lnRef idx="1">
+            <a:schemeClr val="accent4"/>
+          </a:lnRef>
+          <a:fillRef idx="0">
+            <a:schemeClr val="accent4"/>
+          </a:fillRef>
+          <a:effectRef idx="0">
+            <a:schemeClr val="accent4"/>
+          </a:effectRef>
+          <a:fontRef idx="minor">
+            <a:schemeClr val="tx1"/>
+          </a:fontRef>
+        </p:style>
+      </p:cxnSp>
+      <p:cxnSp>
+        <p:nvCxnSpPr>
+          <p:cNvPr id="17" name="直線接點 16">
+            <a:extLst>
+              <a:ext uri="{FF2B5EF4-FFF2-40B4-BE49-F238E27FC236}">
+                <a16:creationId xmlns:a16="http://schemas.microsoft.com/office/drawing/2014/main" id="{A4AB6050-6BBE-4A97-947B-ED8145A98171}"/>
+              </a:ext>
+            </a:extLst>
+          </p:cNvPr>
+          <p:cNvCxnSpPr>
+            <a:cxnSpLocks/>
+          </p:cNvCxnSpPr>
+          <p:nvPr/>
+        </p:nvCxnSpPr>
+        <p:spPr>
+          <a:xfrm flipH="1">
+            <a:off x="797382" y="2571929"/>
+            <a:ext cx="178340" cy="0"/>
+          </a:xfrm>
+          <a:prstGeom prst="line">
+            <a:avLst/>
+          </a:prstGeom>
+          <a:ln w="12700"/>
+        </p:spPr>
+        <p:style>
+          <a:lnRef idx="1">
+            <a:schemeClr val="accent4"/>
+          </a:lnRef>
+          <a:fillRef idx="0">
+            <a:schemeClr val="accent4"/>
+          </a:fillRef>
+          <a:effectRef idx="0">
+            <a:schemeClr val="accent4"/>
+          </a:effectRef>
+          <a:fontRef idx="minor">
+            <a:schemeClr val="tx1"/>
+          </a:fontRef>
+        </p:style>
+      </p:cxnSp>
+      <p:sp>
+        <p:nvSpPr>
+          <p:cNvPr id="19" name="橢圓 18">
+            <a:extLst>
+              <a:ext uri="{FF2B5EF4-FFF2-40B4-BE49-F238E27FC236}">
+                <a16:creationId xmlns:a16="http://schemas.microsoft.com/office/drawing/2014/main" id="{31A3D45A-93D5-4405-AE32-6E1B52768CC2}"/>
+              </a:ext>
+            </a:extLst>
+          </p:cNvPr>
+          <p:cNvSpPr/>
+          <p:nvPr/>
+        </p:nvSpPr>
+        <p:spPr>
+          <a:xfrm>
+            <a:off x="886552" y="3249038"/>
+            <a:ext cx="45719" cy="45719"/>
+          </a:xfrm>
+          <a:prstGeom prst="ellipse">
+            <a:avLst/>
+          </a:prstGeom>
+          <a:solidFill>
+            <a:srgbClr val="FF0000"/>
+          </a:solidFill>
+          <a:ln>
+            <a:solidFill>
+              <a:srgbClr val="D62627"/>
+            </a:solidFill>
+          </a:ln>
+        </p:spPr>
+        <p:style>
+          <a:lnRef idx="2">
+            <a:schemeClr val="accent2">
+              <a:shade val="50000"/>
+            </a:schemeClr>
+          </a:lnRef>
+          <a:fillRef idx="1">
+            <a:schemeClr val="accent2"/>
+          </a:fillRef>
+          <a:effectRef idx="0">
+            <a:schemeClr val="accent2"/>
+          </a:effectRef>
+          <a:fontRef idx="minor">
+            <a:schemeClr val="lt1"/>
+          </a:fontRef>
+        </p:style>
+        <p:txBody>
+          <a:bodyPr rtlCol="0" anchor="ctr"/>
+          <a:lstStyle/>
+          <a:p>
+            <a:pPr algn="ctr"/>
+            <a:endParaRPr lang="zh-TW" altLang="en-US">
+              <a:latin typeface="Times New Roman" panose="02020603050405020304" pitchFamily="18" charset="0"/>
+              <a:cs typeface="Times New Roman" panose="02020603050405020304" pitchFamily="18" charset="0"/>
+            </a:endParaRPr>
+          </a:p>
+        </p:txBody>
+      </p:sp>
+      <p:sp>
+        <p:nvSpPr>
+          <p:cNvPr id="20" name="文字方塊 19">
+            <a:extLst>
+              <a:ext uri="{FF2B5EF4-FFF2-40B4-BE49-F238E27FC236}">
+                <a16:creationId xmlns:a16="http://schemas.microsoft.com/office/drawing/2014/main" id="{D35D5A49-C0C4-48A9-A0FB-29BFC61A911F}"/>
+              </a:ext>
+            </a:extLst>
+          </p:cNvPr>
+          <p:cNvSpPr txBox="1"/>
+          <p:nvPr/>
+        </p:nvSpPr>
+        <p:spPr>
+          <a:xfrm>
+            <a:off x="1108184" y="3037162"/>
+            <a:ext cx="5346970" cy="408253"/>
+          </a:xfrm>
+          <a:prstGeom prst="rect">
+            <a:avLst/>
+          </a:prstGeom>
+          <a:noFill/>
+        </p:spPr>
+        <p:txBody>
+          <a:bodyPr wrap="square">
+            <a:spAutoFit/>
+          </a:bodyPr>
+          <a:lstStyle/>
+          <a:p>
+            <a:r>
+              <a:rPr lang="en-US" altLang="zh-TW" dirty="0">
+                <a:latin typeface="Times New Roman" panose="02020603050405020304" pitchFamily="18" charset="0"/>
+                <a:cs typeface="Times New Roman" panose="02020603050405020304" pitchFamily="18" charset="0"/>
+              </a:rPr>
+              <a:t>Microphones</a:t>
+            </a:r>
+            <a:endParaRPr lang="zh-TW" altLang="en-US" dirty="0">
+              <a:latin typeface="Times New Roman" panose="02020603050405020304" pitchFamily="18" charset="0"/>
+              <a:cs typeface="Times New Roman" panose="02020603050405020304" pitchFamily="18" charset="0"/>
+            </a:endParaRPr>
+          </a:p>
+        </p:txBody>
+      </p:sp>
+    </p:spTree>
+    <p:extLst>
+      <p:ext uri="{BB962C8B-B14F-4D97-AF65-F5344CB8AC3E}">
+        <p14:creationId xmlns:p14="http://schemas.microsoft.com/office/powerpoint/2010/main" val="1966858636"/>
+      </p:ext>
+    </p:extLst>
+  </p:cSld>
+  <p:clrMapOvr>
+    <a:masterClrMapping/>
+  </p:clrMapOvr>
+</p:sld>
+</file>
+
+<file path=ppt/slides/slide5.xml><?xml version="1.0" encoding="utf-8"?>
+<p:sld xmlns:a="http://schemas.openxmlformats.org/drawingml/2006/main" xmlns:r="http://schemas.openxmlformats.org/officeDocument/2006/relationships" xmlns:p="http://schemas.openxmlformats.org/presentationml/2006/main">
+  <p:cSld>
+    <p:spTree>
+      <p:nvGrpSpPr>
+        <p:cNvPr id="1" name=""/>
+        <p:cNvGrpSpPr/>
+        <p:nvPr/>
+      </p:nvGrpSpPr>
+      <p:grpSpPr>
+        <a:xfrm>
+          <a:off x="0" y="0"/>
+          <a:ext cx="0" cy="0"/>
+          <a:chOff x="0" y="0"/>
+          <a:chExt cx="0" cy="0"/>
+        </a:xfrm>
+      </p:grpSpPr>
+      <p:sp>
+        <p:nvSpPr>
+          <p:cNvPr id="2" name="標題 1"/>
+          <p:cNvSpPr>
+            <a:spLocks noGrp="1"/>
+          </p:cNvSpPr>
+          <p:nvPr>
+            <p:ph type="title"/>
+          </p:nvPr>
+        </p:nvSpPr>
+        <p:spPr>
+          <a:xfrm>
+            <a:off x="534670" y="217050"/>
+            <a:ext cx="7123429" cy="633276"/>
+          </a:xfrm>
+        </p:spPr>
+        <p:txBody>
+          <a:bodyPr/>
+          <a:lstStyle/>
+          <a:p>
+            <a:r>
+              <a:rPr lang="en-US" altLang="zh-TW" sz="2800" dirty="0">
+                <a:cs typeface="Times New Roman" panose="02020603050405020304" pitchFamily="18" charset="0"/>
+              </a:rPr>
+              <a:t>Dereverberation using estimated ATFs or RIRs</a:t>
+            </a:r>
+          </a:p>
+        </p:txBody>
+      </p:sp>
+      <p:sp>
+        <p:nvSpPr>
+          <p:cNvPr id="3" name="日期版面配置區 2"/>
+          <p:cNvSpPr>
+            <a:spLocks noGrp="1"/>
+          </p:cNvSpPr>
+          <p:nvPr>
+            <p:ph type="dt" sz="half" idx="10"/>
+          </p:nvPr>
+        </p:nvSpPr>
+        <p:spPr/>
+        <p:txBody>
+          <a:bodyPr/>
+          <a:lstStyle/>
+          <a:p>
+            <a:fld id="{34BD1461-E55A-4D82-BE17-51B51CBE1DD9}" type="datetime1">
+              <a:rPr lang="zh-TW" altLang="en-US" smtClean="0">
+                <a:latin typeface="Times New Roman" panose="02020603050405020304" pitchFamily="18" charset="0"/>
+                <a:ea typeface="標楷體" panose="03000509000000000000" pitchFamily="65" charset="-120"/>
+                <a:cs typeface="Times New Roman" panose="02020603050405020304" pitchFamily="18" charset="0"/>
+              </a:rPr>
+              <a:pPr/>
+              <a:t>2024/8/6</a:t>
+            </a:fld>
+            <a:endParaRPr lang="zh-TW" altLang="en-US">
+              <a:latin typeface="Times New Roman" panose="02020603050405020304" pitchFamily="18" charset="0"/>
+              <a:ea typeface="標楷體" panose="03000509000000000000" pitchFamily="65" charset="-120"/>
+              <a:cs typeface="Times New Roman" panose="02020603050405020304" pitchFamily="18" charset="0"/>
+            </a:endParaRPr>
+          </a:p>
+        </p:txBody>
+      </p:sp>
+      <p:sp>
+        <p:nvSpPr>
+          <p:cNvPr id="4" name="頁尾版面配置區 3"/>
+          <p:cNvSpPr>
+            <a:spLocks noGrp="1"/>
+          </p:cNvSpPr>
+          <p:nvPr>
+            <p:ph type="ftr" sz="quarter" idx="11"/>
+          </p:nvPr>
+        </p:nvSpPr>
+        <p:spPr/>
+        <p:txBody>
+          <a:bodyPr/>
+          <a:lstStyle/>
+          <a:p>
+            <a:r>
+              <a:rPr lang="en-US" altLang="zh-TW">
+                <a:latin typeface="Times New Roman" panose="02020603050405020304" pitchFamily="18" charset="0"/>
+                <a:ea typeface="標楷體" panose="03000509000000000000" pitchFamily="65" charset="-120"/>
+                <a:cs typeface="Times New Roman" panose="02020603050405020304" pitchFamily="18" charset="0"/>
+              </a:rPr>
+              <a:t>© NATIONAL TSING HUA UNIVERSITY</a:t>
+            </a:r>
+            <a:endParaRPr lang="zh-TW" altLang="en-US">
+              <a:latin typeface="Times New Roman" panose="02020603050405020304" pitchFamily="18" charset="0"/>
+              <a:ea typeface="標楷體" panose="03000509000000000000" pitchFamily="65" charset="-120"/>
+              <a:cs typeface="Times New Roman" panose="02020603050405020304" pitchFamily="18" charset="0"/>
+            </a:endParaRPr>
+          </a:p>
+        </p:txBody>
+      </p:sp>
+      <p:sp>
+        <p:nvSpPr>
+          <p:cNvPr id="5" name="投影片編號版面配置區 4"/>
+          <p:cNvSpPr>
+            <a:spLocks noGrp="1"/>
+          </p:cNvSpPr>
+          <p:nvPr>
+            <p:ph type="sldNum" sz="quarter" idx="12"/>
+          </p:nvPr>
+        </p:nvSpPr>
+        <p:spPr/>
+        <p:txBody>
+          <a:bodyPr/>
+          <a:lstStyle/>
+          <a:p>
+            <a:fld id="{E1EB6482-E8AD-494A-B82D-562298BE05A7}" type="slidenum">
+              <a:rPr lang="zh-TW" altLang="en-US" smtClean="0">
+                <a:latin typeface="Times New Roman" panose="02020603050405020304" pitchFamily="18" charset="0"/>
+                <a:ea typeface="標楷體" panose="03000509000000000000" pitchFamily="65" charset="-120"/>
+                <a:cs typeface="Times New Roman" panose="02020603050405020304" pitchFamily="18" charset="0"/>
+              </a:rPr>
+              <a:pPr/>
+              <a:t>5</a:t>
             </a:fld>
             <a:endParaRPr lang="zh-TW" altLang="en-US">
               <a:latin typeface="Times New Roman" panose="02020603050405020304" pitchFamily="18" charset="0"/>
@@ -5003,7 +6542,7 @@
 </p:sld>
 </file>
 
-<file path=ppt/slides/slide5.xml><?xml version="1.0" encoding="utf-8"?>
+<file path=ppt/slides/slide6.xml><?xml version="1.0" encoding="utf-8"?>
 <p:sld xmlns:a="http://schemas.openxmlformats.org/drawingml/2006/main" xmlns:r="http://schemas.openxmlformats.org/officeDocument/2006/relationships" xmlns:p="http://schemas.openxmlformats.org/presentationml/2006/main">
   <p:cSld>
     <p:spTree>
@@ -5134,7 +6673,7 @@
                 <a:cs typeface="Times New Roman" panose="02020603050405020304" pitchFamily="18" charset="0"/>
               </a:rPr>
               <a:pPr/>
-              <a:t>5</a:t>
+              <a:t>6</a:t>
             </a:fld>
             <a:endParaRPr lang="zh-TW" altLang="en-US">
               <a:latin typeface="Times New Roman" panose="02020603050405020304" pitchFamily="18" charset="0"/>
@@ -5978,7 +7517,7 @@
 </p:sld>
 </file>
 
-<file path=ppt/slides/slide6.xml><?xml version="1.0" encoding="utf-8"?>
+<file path=ppt/slides/slide7.xml><?xml version="1.0" encoding="utf-8"?>
 <p:sld xmlns:a="http://schemas.openxmlformats.org/drawingml/2006/main" xmlns:r="http://schemas.openxmlformats.org/officeDocument/2006/relationships" xmlns:p="http://schemas.openxmlformats.org/presentationml/2006/main">
   <p:cSld>
     <p:spTree>
@@ -6109,7 +7648,7 @@
                 <a:cs typeface="Times New Roman" panose="02020603050405020304" pitchFamily="18" charset="0"/>
               </a:rPr>
               <a:pPr/>
-              <a:t>6</a:t>
+              <a:t>7</a:t>
             </a:fld>
             <a:endParaRPr lang="zh-TW" altLang="en-US">
               <a:latin typeface="Times New Roman" panose="02020603050405020304" pitchFamily="18" charset="0"/>
@@ -6276,7 +7815,7 @@
 </p:sld>
 </file>
 
-<file path=ppt/slides/slide7.xml><?xml version="1.0" encoding="utf-8"?>
+<file path=ppt/slides/slide8.xml><?xml version="1.0" encoding="utf-8"?>
 <p:sld xmlns:a="http://schemas.openxmlformats.org/drawingml/2006/main" xmlns:r="http://schemas.openxmlformats.org/officeDocument/2006/relationships" xmlns:p="http://schemas.openxmlformats.org/presentationml/2006/main">
   <p:cSld>
     <p:spTree>
@@ -6373,7 +7912,7 @@
                 <a:cs typeface="Times New Roman" panose="02020603050405020304" pitchFamily="18" charset="0"/>
               </a:rPr>
               <a:pPr/>
-              <a:t>7</a:t>
+              <a:t>8</a:t>
             </a:fld>
             <a:endParaRPr lang="zh-TW" altLang="en-US">
               <a:latin typeface="Times New Roman" panose="02020603050405020304" pitchFamily="18" charset="0"/>

--- a/meeting_2024/anchi_0807_meeting.pptx
+++ b/meeting_2024/anchi_0807_meeting.pptx
@@ -256,7 +256,7 @@
             <a:fld id="{D877E232-5BD3-474B-93D4-BBE4BE861F87}" type="datetimeFigureOut">
               <a:rPr lang="zh-TW" altLang="en-US" smtClean="0"/>
               <a:pPr/>
-              <a:t>2024/8/6</a:t>
+              <a:t>2024/8/7</a:t>
             </a:fld>
             <a:endParaRPr lang="zh-TW" altLang="en-US"/>
           </a:p>
@@ -953,7 +953,7 @@
             <a:fld id="{82E6E325-F822-4212-9386-9D4612C75CEF}" type="datetime1">
               <a:rPr lang="zh-TW" altLang="en-US" smtClean="0"/>
               <a:pPr/>
-              <a:t>2024/8/6</a:t>
+              <a:t>2024/8/7</a:t>
             </a:fld>
             <a:endParaRPr lang="zh-TW" altLang="en-US"/>
           </a:p>
@@ -1099,7 +1099,7 @@
             <a:fld id="{89778465-DAD5-498D-AB4D-55D7C9B8665B}" type="datetime1">
               <a:rPr lang="zh-TW" altLang="en-US" smtClean="0"/>
               <a:pPr/>
-              <a:t>2024/8/6</a:t>
+              <a:t>2024/8/7</a:t>
             </a:fld>
             <a:endParaRPr lang="zh-TW" altLang="en-US"/>
           </a:p>
@@ -1278,7 +1278,7 @@
             <a:fld id="{70681225-2E08-4068-AF70-2DD867CA63A5}" type="datetime1">
               <a:rPr lang="zh-TW" altLang="en-US" smtClean="0"/>
               <a:pPr/>
-              <a:t>2024/8/6</a:t>
+              <a:t>2024/8/7</a:t>
             </a:fld>
             <a:endParaRPr lang="zh-TW" altLang="en-US"/>
           </a:p>
@@ -1413,7 +1413,7 @@
             <a:fld id="{34BD1461-E55A-4D82-BE17-51B51CBE1DD9}" type="datetime1">
               <a:rPr lang="zh-TW" altLang="en-US" smtClean="0"/>
               <a:pPr/>
-              <a:t>2024/8/6</a:t>
+              <a:t>2024/8/7</a:t>
             </a:fld>
             <a:endParaRPr lang="zh-TW" altLang="en-US"/>
           </a:p>
@@ -1797,7 +1797,7 @@
             <a:fld id="{50560A66-ECFC-4337-915D-48C9454D627A}" type="datetime1">
               <a:rPr lang="zh-TW" altLang="en-US" smtClean="0"/>
               <a:pPr/>
-              <a:t>2024/8/6</a:t>
+              <a:t>2024/8/7</a:t>
             </a:fld>
             <a:endParaRPr lang="zh-TW" altLang="en-US"/>
           </a:p>
@@ -2093,7 +2093,7 @@
             <a:fld id="{CFDC29B8-7A7D-4F55-BAE5-6A7151E1BCDB}" type="datetime1">
               <a:rPr lang="zh-TW" altLang="en-US" smtClean="0"/>
               <a:pPr/>
-              <a:t>2024/8/6</a:t>
+              <a:t>2024/8/7</a:t>
             </a:fld>
             <a:endParaRPr lang="zh-TW" altLang="en-US"/>
           </a:p>
@@ -2518,7 +2518,7 @@
             <a:fld id="{7D948231-0C7F-43D8-9B50-6B0CF2A67FFA}" type="datetime1">
               <a:rPr lang="zh-TW" altLang="en-US" smtClean="0"/>
               <a:pPr/>
-              <a:t>2024/8/6</a:t>
+              <a:t>2024/8/7</a:t>
             </a:fld>
             <a:endParaRPr lang="zh-TW" altLang="en-US"/>
           </a:p>
@@ -2636,7 +2636,7 @@
             <a:fld id="{EF418B44-EDFC-409F-93DD-EF5C89251185}" type="datetime1">
               <a:rPr lang="zh-TW" altLang="en-US" smtClean="0"/>
               <a:pPr/>
-              <a:t>2024/8/6</a:t>
+              <a:t>2024/8/7</a:t>
             </a:fld>
             <a:endParaRPr lang="zh-TW" altLang="en-US"/>
           </a:p>
@@ -2732,7 +2732,7 @@
             <a:fld id="{CC5F5369-9B42-4CFE-8058-BF22F9445AB6}" type="datetime1">
               <a:rPr lang="zh-TW" altLang="en-US" smtClean="0"/>
               <a:pPr/>
-              <a:t>2024/8/6</a:t>
+              <a:t>2024/8/7</a:t>
             </a:fld>
             <a:endParaRPr lang="zh-TW" altLang="en-US"/>
           </a:p>
@@ -3008,7 +3008,7 @@
             <a:fld id="{ECC6EB90-F6B3-43F2-B8ED-716935D380ED}" type="datetime1">
               <a:rPr lang="zh-TW" altLang="en-US" smtClean="0"/>
               <a:pPr/>
-              <a:t>2024/8/6</a:t>
+              <a:t>2024/8/7</a:t>
             </a:fld>
             <a:endParaRPr lang="zh-TW" altLang="en-US"/>
           </a:p>
@@ -3261,7 +3261,7 @@
             <a:fld id="{DB1525E1-F446-4E68-B769-0621D99AE5A5}" type="datetime1">
               <a:rPr lang="zh-TW" altLang="en-US" smtClean="0"/>
               <a:pPr/>
-              <a:t>2024/8/6</a:t>
+              <a:t>2024/8/7</a:t>
             </a:fld>
             <a:endParaRPr lang="zh-TW" altLang="en-US"/>
           </a:p>
@@ -3618,7 +3618,7 @@
             <a:fld id="{568A7A41-D8CA-466B-BE5A-95AC065E72BC}" type="datetime1">
               <a:rPr lang="zh-TW" altLang="en-US" smtClean="0"/>
               <a:pPr/>
-              <a:t>2024/8/6</a:t>
+              <a:t>2024/8/7</a:t>
             </a:fld>
             <a:endParaRPr lang="zh-TW" altLang="en-US"/>
           </a:p>
@@ -4141,7 +4141,7 @@
                 <a:cs typeface="Times New Roman" panose="02020603050405020304" pitchFamily="18" charset="0"/>
               </a:rPr>
               <a:pPr/>
-              <a:t>2024/8/6</a:t>
+              <a:t>2024/8/7</a:t>
             </a:fld>
             <a:endParaRPr lang="zh-TW" altLang="en-US">
               <a:latin typeface="Times New Roman" panose="02020603050405020304" pitchFamily="18" charset="0"/>
@@ -4284,7 +4284,7 @@
                 <a:cs typeface="Times New Roman" panose="02020603050405020304" pitchFamily="18" charset="0"/>
               </a:rPr>
               <a:pPr/>
-              <a:t>2024/8/6</a:t>
+              <a:t>2024/8/7</a:t>
             </a:fld>
             <a:endParaRPr lang="zh-TW" altLang="en-US">
               <a:latin typeface="Times New Roman" panose="02020603050405020304" pitchFamily="18" charset="0"/>
@@ -4476,9 +4476,7 @@
           <a:lstStyle/>
           <a:p>
             <a:r>
-              <a:rPr lang="en-US" altLang="zh-TW" sz="2800" dirty="0">
-                <a:cs typeface="Times New Roman" panose="02020603050405020304" pitchFamily="18" charset="0"/>
-              </a:rPr>
+              <a:rPr lang="en-US" altLang="zh-TW" sz="2800" dirty="0"/>
               <a:t>Why do our methods outperform MCLMS ?</a:t>
             </a:r>
           </a:p>
@@ -4506,7 +4504,7 @@
                 <a:cs typeface="Times New Roman" panose="02020603050405020304" pitchFamily="18" charset="0"/>
               </a:rPr>
               <a:pPr/>
-              <a:t>2024/8/6</a:t>
+              <a:t>2024/8/7</a:t>
             </a:fld>
             <a:endParaRPr lang="zh-TW" altLang="en-US">
               <a:latin typeface="Times New Roman" panose="02020603050405020304" pitchFamily="18" charset="0"/>
@@ -4593,8 +4591,8 @@
         </p:nvSpPr>
         <p:spPr>
           <a:xfrm>
-            <a:off x="2162180" y="5122911"/>
-            <a:ext cx="6778653" cy="400110"/>
+            <a:off x="364494" y="813290"/>
+            <a:ext cx="6778653" cy="707886"/>
           </a:xfrm>
           <a:prstGeom prst="rect">
             <a:avLst/>
@@ -4612,7 +4610,30 @@
                 <a:latin typeface="Times New Roman" panose="02020603050405020304" pitchFamily="18" charset="0"/>
                 <a:cs typeface="Times New Roman" panose="02020603050405020304" pitchFamily="18" charset="0"/>
               </a:rPr>
-              <a:t>Eigenvalues of the microphone covariance matrix in MCLMS</a:t>
+              <a:t>Eigenvalues of the </a:t>
+            </a:r>
+            <a:r>
+              <a:rPr lang="en-US" altLang="zh-TW" sz="2000">
+                <a:latin typeface="Times New Roman" panose="02020603050405020304" pitchFamily="18" charset="0"/>
+                <a:cs typeface="Times New Roman" panose="02020603050405020304" pitchFamily="18" charset="0"/>
+              </a:rPr>
+              <a:t>microphone </a:t>
+            </a:r>
+          </a:p>
+          <a:p>
+            <a:r>
+              <a:rPr lang="en-US" altLang="zh-TW" sz="2000">
+                <a:latin typeface="Times New Roman" panose="02020603050405020304" pitchFamily="18" charset="0"/>
+                <a:cs typeface="Times New Roman" panose="02020603050405020304" pitchFamily="18" charset="0"/>
+              </a:rPr>
+              <a:t>covariance </a:t>
+            </a:r>
+            <a:r>
+              <a:rPr lang="en-US" altLang="zh-TW" sz="2000" dirty="0">
+                <a:latin typeface="Times New Roman" panose="02020603050405020304" pitchFamily="18" charset="0"/>
+                <a:cs typeface="Times New Roman" panose="02020603050405020304" pitchFamily="18" charset="0"/>
+              </a:rPr>
+              <a:t>matrix in MCLMS</a:t>
             </a:r>
             <a:endParaRPr lang="zh-TW" altLang="en-US" sz="2000" dirty="0">
               <a:latin typeface="Times New Roman" panose="02020603050405020304" pitchFamily="18" charset="0"/>
@@ -4636,14 +4657,14 @@
           <p:nvPr/>
         </p:nvPicPr>
         <p:blipFill>
-          <a:blip r:embed="rId2"/>
+          <a:blip r:embed="rId3"/>
           <a:stretch>
             <a:fillRect/>
           </a:stretch>
         </p:blipFill>
         <p:spPr>
           <a:xfrm>
-            <a:off x="793923" y="1503932"/>
+            <a:off x="-37061" y="1501879"/>
             <a:ext cx="3840000" cy="2880000"/>
           </a:xfrm>
           <a:prstGeom prst="rect">
@@ -4665,7 +4686,7 @@
         </p:nvSpPr>
         <p:spPr>
           <a:xfrm>
-            <a:off x="2970433" y="3846100"/>
+            <a:off x="2295408" y="3882470"/>
             <a:ext cx="1484834" cy="337225"/>
           </a:xfrm>
           <a:prstGeom prst="ellipse">
@@ -4699,7 +4720,10 @@
           <a:lstStyle/>
           <a:p>
             <a:pPr algn="ctr"/>
-            <a:endParaRPr lang="zh-TW" altLang="en-US"/>
+            <a:endParaRPr lang="zh-TW" altLang="en-US">
+              <a:latin typeface="Times New Roman" panose="02020603050405020304" pitchFamily="18" charset="0"/>
+              <a:cs typeface="Times New Roman" panose="02020603050405020304" pitchFamily="18" charset="0"/>
+            </a:endParaRPr>
           </a:p>
         </p:txBody>
       </p:sp>
@@ -4717,7 +4741,7 @@
         </p:nvSpPr>
         <p:spPr>
           <a:xfrm>
-            <a:off x="2665378" y="4238014"/>
+            <a:off x="1783330" y="4157268"/>
             <a:ext cx="356681" cy="246221"/>
           </a:xfrm>
           <a:prstGeom prst="rect">
@@ -4760,14 +4784,14 @@
           <p:nvPr/>
         </p:nvPicPr>
         <p:blipFill>
-          <a:blip r:embed="rId3"/>
+          <a:blip r:embed="rId4"/>
           <a:stretch>
             <a:fillRect/>
           </a:stretch>
         </p:blipFill>
         <p:spPr>
           <a:xfrm>
-            <a:off x="5506110" y="1503932"/>
+            <a:off x="-37061" y="4280378"/>
             <a:ext cx="3840000" cy="2880000"/>
           </a:xfrm>
           <a:prstGeom prst="rect">
@@ -4789,7 +4813,7 @@
         </p:nvSpPr>
         <p:spPr>
           <a:xfrm>
-            <a:off x="7538935" y="4238013"/>
+            <a:off x="1783329" y="6927014"/>
             <a:ext cx="356681" cy="246221"/>
           </a:xfrm>
           <a:prstGeom prst="rect">
@@ -4814,6 +4838,1008 @@
               <a:latin typeface="Times New Roman" panose="02020603050405020304" pitchFamily="18" charset="0"/>
               <a:cs typeface="Times New Roman" panose="02020603050405020304" pitchFamily="18" charset="0"/>
             </a:endParaRPr>
+          </a:p>
+        </p:txBody>
+      </p:sp>
+      <p:pic>
+        <p:nvPicPr>
+          <p:cNvPr id="14" name="圖片 13">
+            <a:extLst>
+              <a:ext uri="{FF2B5EF4-FFF2-40B4-BE49-F238E27FC236}">
+                <a16:creationId xmlns:a16="http://schemas.microsoft.com/office/drawing/2014/main" id="{81A34528-EE13-4215-AEA1-C9ECC70C8BC3}"/>
+              </a:ext>
+            </a:extLst>
+          </p:cNvPr>
+          <p:cNvPicPr>
+            <a:picLocks noChangeAspect="1"/>
+          </p:cNvPicPr>
+          <p:nvPr/>
+        </p:nvPicPr>
+        <p:blipFill>
+          <a:blip r:embed="rId5"/>
+          <a:stretch>
+            <a:fillRect/>
+          </a:stretch>
+        </p:blipFill>
+        <p:spPr>
+          <a:xfrm>
+            <a:off x="4096384" y="1444588"/>
+            <a:ext cx="3840000" cy="2880000"/>
+          </a:xfrm>
+          <a:prstGeom prst="rect">
+            <a:avLst/>
+          </a:prstGeom>
+        </p:spPr>
+      </p:pic>
+      <p:sp>
+        <p:nvSpPr>
+          <p:cNvPr id="15" name="文字方塊 14">
+            <a:extLst>
+              <a:ext uri="{FF2B5EF4-FFF2-40B4-BE49-F238E27FC236}">
+                <a16:creationId xmlns:a16="http://schemas.microsoft.com/office/drawing/2014/main" id="{F6A8CC69-B47D-46C2-B5A7-E2CFAAF9E9AD}"/>
+              </a:ext>
+            </a:extLst>
+          </p:cNvPr>
+          <p:cNvSpPr txBox="1"/>
+          <p:nvPr/>
+        </p:nvSpPr>
+        <p:spPr>
+          <a:xfrm>
+            <a:off x="4744453" y="873973"/>
+            <a:ext cx="6778653" cy="707886"/>
+          </a:xfrm>
+          <a:prstGeom prst="rect">
+            <a:avLst/>
+          </a:prstGeom>
+          <a:noFill/>
+        </p:spPr>
+        <p:txBody>
+          <a:bodyPr wrap="square" rtlCol="0">
+            <a:spAutoFit/>
+          </a:bodyPr>
+          <a:lstStyle/>
+          <a:p>
+            <a:r>
+              <a:rPr lang="en-US" altLang="zh-TW" sz="2000">
+                <a:latin typeface="Times New Roman" panose="02020603050405020304" pitchFamily="18" charset="0"/>
+                <a:cs typeface="Times New Roman" panose="02020603050405020304" pitchFamily="18" charset="0"/>
+              </a:rPr>
+              <a:t>Estimated eigenvector versus </a:t>
+            </a:r>
+          </a:p>
+          <a:p>
+            <a:r>
+              <a:rPr lang="en-US" altLang="zh-TW" sz="2000">
+                <a:latin typeface="Times New Roman" panose="02020603050405020304" pitchFamily="18" charset="0"/>
+                <a:cs typeface="Times New Roman" panose="02020603050405020304" pitchFamily="18" charset="0"/>
+              </a:rPr>
+              <a:t>its ground-truth part</a:t>
+            </a:r>
+            <a:endParaRPr lang="zh-TW" altLang="en-US" sz="2000" dirty="0">
+              <a:latin typeface="Times New Roman" panose="02020603050405020304" pitchFamily="18" charset="0"/>
+              <a:cs typeface="Times New Roman" panose="02020603050405020304" pitchFamily="18" charset="0"/>
+            </a:endParaRPr>
+          </a:p>
+        </p:txBody>
+      </p:sp>
+      <p:sp>
+        <p:nvSpPr>
+          <p:cNvPr id="10" name="橢圓 9">
+            <a:extLst>
+              <a:ext uri="{FF2B5EF4-FFF2-40B4-BE49-F238E27FC236}">
+                <a16:creationId xmlns:a16="http://schemas.microsoft.com/office/drawing/2014/main" id="{46DF3E7A-BFAE-4080-B740-6519464796FC}"/>
+              </a:ext>
+            </a:extLst>
+          </p:cNvPr>
+          <p:cNvSpPr/>
+          <p:nvPr/>
+        </p:nvSpPr>
+        <p:spPr>
+          <a:xfrm>
+            <a:off x="3354474" y="3938530"/>
+            <a:ext cx="178545" cy="237274"/>
+          </a:xfrm>
+          <a:prstGeom prst="ellipse">
+            <a:avLst/>
+          </a:prstGeom>
+          <a:noFill/>
+          <a:ln>
+            <a:solidFill>
+              <a:srgbClr val="0000FF"/>
+            </a:solidFill>
+          </a:ln>
+        </p:spPr>
+        <p:style>
+          <a:lnRef idx="2">
+            <a:schemeClr val="accent1">
+              <a:shade val="50000"/>
+            </a:schemeClr>
+          </a:lnRef>
+          <a:fillRef idx="1">
+            <a:schemeClr val="accent1"/>
+          </a:fillRef>
+          <a:effectRef idx="0">
+            <a:schemeClr val="accent1"/>
+          </a:effectRef>
+          <a:fontRef idx="minor">
+            <a:schemeClr val="lt1"/>
+          </a:fontRef>
+        </p:style>
+        <p:txBody>
+          <a:bodyPr rtlCol="0" anchor="ctr"/>
+          <a:lstStyle/>
+          <a:p>
+            <a:pPr algn="ctr"/>
+            <a:endParaRPr lang="zh-TW" altLang="en-US">
+              <a:latin typeface="Times New Roman" panose="02020603050405020304" pitchFamily="18" charset="0"/>
+              <a:cs typeface="Times New Roman" panose="02020603050405020304" pitchFamily="18" charset="0"/>
+            </a:endParaRPr>
+          </a:p>
+        </p:txBody>
+      </p:sp>
+      <p:cxnSp>
+        <p:nvCxnSpPr>
+          <p:cNvPr id="16" name="直線單箭頭接點 15">
+            <a:extLst>
+              <a:ext uri="{FF2B5EF4-FFF2-40B4-BE49-F238E27FC236}">
+                <a16:creationId xmlns:a16="http://schemas.microsoft.com/office/drawing/2014/main" id="{A365C59B-39C7-4EB5-9B89-5866314D5940}"/>
+              </a:ext>
+            </a:extLst>
+          </p:cNvPr>
+          <p:cNvCxnSpPr>
+            <a:cxnSpLocks/>
+            <a:stCxn id="10" idx="7"/>
+          </p:cNvCxnSpPr>
+          <p:nvPr/>
+        </p:nvCxnSpPr>
+        <p:spPr>
+          <a:xfrm flipV="1">
+            <a:off x="3506872" y="3563739"/>
+            <a:ext cx="703402" cy="409539"/>
+          </a:xfrm>
+          <a:prstGeom prst="straightConnector1">
+            <a:avLst/>
+          </a:prstGeom>
+          <a:ln w="19050">
+            <a:solidFill>
+              <a:srgbClr val="0000FF"/>
+            </a:solidFill>
+            <a:tailEnd type="triangle"/>
+          </a:ln>
+        </p:spPr>
+        <p:style>
+          <a:lnRef idx="1">
+            <a:schemeClr val="accent1"/>
+          </a:lnRef>
+          <a:fillRef idx="0">
+            <a:schemeClr val="accent1"/>
+          </a:fillRef>
+          <a:effectRef idx="0">
+            <a:schemeClr val="accent1"/>
+          </a:effectRef>
+          <a:fontRef idx="minor">
+            <a:schemeClr val="tx1"/>
+          </a:fontRef>
+        </p:style>
+      </p:cxnSp>
+      <p:pic>
+        <p:nvPicPr>
+          <p:cNvPr id="19" name="圖片 18">
+            <a:extLst>
+              <a:ext uri="{FF2B5EF4-FFF2-40B4-BE49-F238E27FC236}">
+                <a16:creationId xmlns:a16="http://schemas.microsoft.com/office/drawing/2014/main" id="{AA3ACD14-EB00-46CC-92FB-39532E286A82}"/>
+              </a:ext>
+            </a:extLst>
+          </p:cNvPr>
+          <p:cNvPicPr>
+            <a:picLocks noChangeAspect="1"/>
+          </p:cNvPicPr>
+          <p:nvPr/>
+        </p:nvPicPr>
+        <p:blipFill>
+          <a:blip r:embed="rId6"/>
+          <a:stretch>
+            <a:fillRect/>
+          </a:stretch>
+        </p:blipFill>
+        <p:spPr>
+          <a:xfrm>
+            <a:off x="3823329" y="4460185"/>
+            <a:ext cx="3600000" cy="2700000"/>
+          </a:xfrm>
+          <a:prstGeom prst="rect">
+            <a:avLst/>
+          </a:prstGeom>
+        </p:spPr>
+      </p:pic>
+      <p:pic>
+        <p:nvPicPr>
+          <p:cNvPr id="20" name="圖片 19">
+            <a:extLst>
+              <a:ext uri="{FF2B5EF4-FFF2-40B4-BE49-F238E27FC236}">
+                <a16:creationId xmlns:a16="http://schemas.microsoft.com/office/drawing/2014/main" id="{345A2334-0218-43EB-B15B-B35EB7C9ECE8}"/>
+              </a:ext>
+            </a:extLst>
+          </p:cNvPr>
+          <p:cNvPicPr>
+            <a:picLocks noChangeAspect="1"/>
+          </p:cNvPicPr>
+          <p:nvPr/>
+        </p:nvPicPr>
+        <p:blipFill>
+          <a:blip r:embed="rId7"/>
+          <a:stretch>
+            <a:fillRect/>
+          </a:stretch>
+        </p:blipFill>
+        <p:spPr>
+          <a:xfrm>
+            <a:off x="7218807" y="4460185"/>
+            <a:ext cx="3600000" cy="2700000"/>
+          </a:xfrm>
+          <a:prstGeom prst="rect">
+            <a:avLst/>
+          </a:prstGeom>
+        </p:spPr>
+      </p:pic>
+      <p:sp>
+        <p:nvSpPr>
+          <p:cNvPr id="21" name="文字方塊 20">
+            <a:extLst>
+              <a:ext uri="{FF2B5EF4-FFF2-40B4-BE49-F238E27FC236}">
+                <a16:creationId xmlns:a16="http://schemas.microsoft.com/office/drawing/2014/main" id="{4D12EBD6-39BB-426B-898B-12BFBC8195DC}"/>
+              </a:ext>
+            </a:extLst>
+          </p:cNvPr>
+          <p:cNvSpPr txBox="1"/>
+          <p:nvPr/>
+        </p:nvSpPr>
+        <p:spPr>
+          <a:xfrm>
+            <a:off x="4417578" y="4219695"/>
+            <a:ext cx="6778653" cy="400110"/>
+          </a:xfrm>
+          <a:prstGeom prst="rect">
+            <a:avLst/>
+          </a:prstGeom>
+          <a:noFill/>
+        </p:spPr>
+        <p:txBody>
+          <a:bodyPr wrap="square" rtlCol="0">
+            <a:spAutoFit/>
+          </a:bodyPr>
+          <a:lstStyle/>
+          <a:p>
+            <a:r>
+              <a:rPr lang="en-US" altLang="zh-TW" sz="2000">
+                <a:latin typeface="Times New Roman" panose="02020603050405020304" pitchFamily="18" charset="0"/>
+                <a:cs typeface="Times New Roman" panose="02020603050405020304" pitchFamily="18" charset="0"/>
+              </a:rPr>
+              <a:t>Wiener filter approach</a:t>
+            </a:r>
+            <a:endParaRPr lang="zh-TW" altLang="en-US" sz="2000" dirty="0">
+              <a:latin typeface="Times New Roman" panose="02020603050405020304" pitchFamily="18" charset="0"/>
+              <a:cs typeface="Times New Roman" panose="02020603050405020304" pitchFamily="18" charset="0"/>
+            </a:endParaRPr>
+          </a:p>
+        </p:txBody>
+      </p:sp>
+      <p:sp>
+        <p:nvSpPr>
+          <p:cNvPr id="22" name="文字方塊 21">
+            <a:extLst>
+              <a:ext uri="{FF2B5EF4-FFF2-40B4-BE49-F238E27FC236}">
+                <a16:creationId xmlns:a16="http://schemas.microsoft.com/office/drawing/2014/main" id="{99C1CF97-220B-4743-82B0-AD582BB0DA4A}"/>
+              </a:ext>
+            </a:extLst>
+          </p:cNvPr>
+          <p:cNvSpPr txBox="1"/>
+          <p:nvPr/>
+        </p:nvSpPr>
+        <p:spPr>
+          <a:xfrm>
+            <a:off x="7836091" y="4243342"/>
+            <a:ext cx="2612200" cy="400110"/>
+          </a:xfrm>
+          <a:prstGeom prst="rect">
+            <a:avLst/>
+          </a:prstGeom>
+          <a:noFill/>
+        </p:spPr>
+        <p:txBody>
+          <a:bodyPr wrap="square" rtlCol="0">
+            <a:spAutoFit/>
+          </a:bodyPr>
+          <a:lstStyle/>
+          <a:p>
+            <a:r>
+              <a:rPr lang="en-US" altLang="zh-TW" sz="2000">
+                <a:latin typeface="Times New Roman" panose="02020603050405020304" pitchFamily="18" charset="0"/>
+                <a:cs typeface="Times New Roman" panose="02020603050405020304" pitchFamily="18" charset="0"/>
+              </a:rPr>
+              <a:t>Kalman filter approach</a:t>
+            </a:r>
+            <a:endParaRPr lang="zh-TW" altLang="en-US" sz="2000" dirty="0">
+              <a:latin typeface="Times New Roman" panose="02020603050405020304" pitchFamily="18" charset="0"/>
+              <a:cs typeface="Times New Roman" panose="02020603050405020304" pitchFamily="18" charset="0"/>
+            </a:endParaRPr>
+          </a:p>
+        </p:txBody>
+      </p:sp>
+      <p:graphicFrame>
+        <p:nvGraphicFramePr>
+          <p:cNvPr id="23" name="表格 23">
+            <a:extLst>
+              <a:ext uri="{FF2B5EF4-FFF2-40B4-BE49-F238E27FC236}">
+                <a16:creationId xmlns:a16="http://schemas.microsoft.com/office/drawing/2014/main" id="{37600338-66B5-4F7C-84DA-C7698DFCC540}"/>
+              </a:ext>
+            </a:extLst>
+          </p:cNvPr>
+          <p:cNvGraphicFramePr>
+            <a:graphicFrameLocks noGrp="1"/>
+          </p:cNvGraphicFramePr>
+          <p:nvPr>
+            <p:extLst>
+              <p:ext uri="{D42A27DB-BD31-4B8C-83A1-F6EECF244321}">
+                <p14:modId xmlns:p14="http://schemas.microsoft.com/office/powerpoint/2010/main" val="3986567774"/>
+              </p:ext>
+            </p:extLst>
+          </p:nvPr>
+        </p:nvGraphicFramePr>
+        <p:xfrm>
+          <a:off x="8133778" y="2165562"/>
+          <a:ext cx="2314512" cy="1710563"/>
+        </p:xfrm>
+        <a:graphic>
+          <a:graphicData uri="http://schemas.openxmlformats.org/drawingml/2006/table">
+            <a:tbl>
+              <a:tblPr firstRow="1" bandRow="1">
+                <a:tableStyleId>{5C22544A-7EE6-4342-B048-85BDC9FD1C3A}</a:tableStyleId>
+              </a:tblPr>
+              <a:tblGrid>
+                <a:gridCol w="1170693">
+                  <a:extLst>
+                    <a:ext uri="{9D8B030D-6E8A-4147-A177-3AD203B41FA5}">
+                      <a16:colId xmlns:a16="http://schemas.microsoft.com/office/drawing/2014/main" val="46239256"/>
+                    </a:ext>
+                  </a:extLst>
+                </a:gridCol>
+                <a:gridCol w="1143819">
+                  <a:extLst>
+                    <a:ext uri="{9D8B030D-6E8A-4147-A177-3AD203B41FA5}">
+                      <a16:colId xmlns:a16="http://schemas.microsoft.com/office/drawing/2014/main" val="2307998456"/>
+                    </a:ext>
+                  </a:extLst>
+                </a:gridCol>
+              </a:tblGrid>
+              <a:tr h="370840">
+                <a:tc>
+                  <a:txBody>
+                    <a:bodyPr/>
+                    <a:lstStyle/>
+                    <a:p>
+                      <a:pPr algn="ctr"/>
+                      <a:endParaRPr lang="zh-TW" altLang="en-US" b="0">
+                        <a:solidFill>
+                          <a:schemeClr val="tx1"/>
+                        </a:solidFill>
+                      </a:endParaRPr>
+                    </a:p>
+                  </a:txBody>
+                  <a:tcPr anchor="ctr">
+                    <a:lnL w="12700" cap="flat" cmpd="sng" algn="ctr">
+                      <a:solidFill>
+                        <a:schemeClr val="tx1"/>
+                      </a:solidFill>
+                      <a:prstDash val="solid"/>
+                      <a:round/>
+                      <a:headEnd type="none" w="med" len="med"/>
+                      <a:tailEnd type="none" w="med" len="med"/>
+                    </a:lnL>
+                    <a:lnR w="12700" cap="flat" cmpd="sng" algn="ctr">
+                      <a:solidFill>
+                        <a:schemeClr val="tx1"/>
+                      </a:solidFill>
+                      <a:prstDash val="solid"/>
+                      <a:round/>
+                      <a:headEnd type="none" w="med" len="med"/>
+                      <a:tailEnd type="none" w="med" len="med"/>
+                    </a:lnR>
+                    <a:lnT w="12700" cap="flat" cmpd="sng" algn="ctr">
+                      <a:solidFill>
+                        <a:schemeClr val="tx1"/>
+                      </a:solidFill>
+                      <a:prstDash val="solid"/>
+                      <a:round/>
+                      <a:headEnd type="none" w="med" len="med"/>
+                      <a:tailEnd type="none" w="med" len="med"/>
+                    </a:lnT>
+                    <a:lnB w="12700" cap="flat" cmpd="sng" algn="ctr">
+                      <a:solidFill>
+                        <a:schemeClr val="tx1"/>
+                      </a:solidFill>
+                      <a:prstDash val="solid"/>
+                      <a:round/>
+                      <a:headEnd type="none" w="med" len="med"/>
+                      <a:tailEnd type="none" w="med" len="med"/>
+                    </a:lnB>
+                    <a:noFill/>
+                  </a:tcPr>
+                </a:tc>
+                <a:tc>
+                  <a:txBody>
+                    <a:bodyPr/>
+                    <a:lstStyle/>
+                    <a:p>
+                      <a:pPr algn="ctr"/>
+                      <a:r>
+                        <a:rPr lang="en-US" altLang="zh-TW" b="0">
+                          <a:solidFill>
+                            <a:schemeClr val="tx1"/>
+                          </a:solidFill>
+                        </a:rPr>
+                        <a:t>NRMSPM (dB)</a:t>
+                      </a:r>
+                      <a:endParaRPr lang="zh-TW" altLang="en-US" b="0">
+                        <a:solidFill>
+                          <a:schemeClr val="tx1"/>
+                        </a:solidFill>
+                      </a:endParaRPr>
+                    </a:p>
+                  </a:txBody>
+                  <a:tcPr anchor="ctr">
+                    <a:lnL w="12700" cap="flat" cmpd="sng" algn="ctr">
+                      <a:solidFill>
+                        <a:schemeClr val="tx1"/>
+                      </a:solidFill>
+                      <a:prstDash val="solid"/>
+                      <a:round/>
+                      <a:headEnd type="none" w="med" len="med"/>
+                      <a:tailEnd type="none" w="med" len="med"/>
+                    </a:lnL>
+                    <a:lnR w="12700" cap="flat" cmpd="sng" algn="ctr">
+                      <a:solidFill>
+                        <a:schemeClr val="tx1"/>
+                      </a:solidFill>
+                      <a:prstDash val="solid"/>
+                      <a:round/>
+                      <a:headEnd type="none" w="med" len="med"/>
+                      <a:tailEnd type="none" w="med" len="med"/>
+                    </a:lnR>
+                    <a:lnT w="12700" cap="flat" cmpd="sng" algn="ctr">
+                      <a:solidFill>
+                        <a:schemeClr val="tx1"/>
+                      </a:solidFill>
+                      <a:prstDash val="solid"/>
+                      <a:round/>
+                      <a:headEnd type="none" w="med" len="med"/>
+                      <a:tailEnd type="none" w="med" len="med"/>
+                    </a:lnT>
+                    <a:lnB w="12700" cap="flat" cmpd="sng" algn="ctr">
+                      <a:solidFill>
+                        <a:schemeClr val="tx1"/>
+                      </a:solidFill>
+                      <a:prstDash val="solid"/>
+                      <a:round/>
+                      <a:headEnd type="none" w="med" len="med"/>
+                      <a:tailEnd type="none" w="med" len="med"/>
+                    </a:lnB>
+                    <a:noFill/>
+                  </a:tcPr>
+                </a:tc>
+                <a:extLst>
+                  <a:ext uri="{0D108BD9-81ED-4DB2-BD59-A6C34878D82A}">
+                    <a16:rowId xmlns:a16="http://schemas.microsoft.com/office/drawing/2014/main" val="3373991668"/>
+                  </a:ext>
+                </a:extLst>
+              </a:tr>
+              <a:tr h="370840">
+                <a:tc>
+                  <a:txBody>
+                    <a:bodyPr/>
+                    <a:lstStyle/>
+                    <a:p>
+                      <a:pPr algn="ctr"/>
+                      <a:r>
+                        <a:rPr lang="en-US" altLang="zh-TW" b="0">
+                          <a:solidFill>
+                            <a:schemeClr val="tx1"/>
+                          </a:solidFill>
+                        </a:rPr>
+                        <a:t>MCLMS</a:t>
+                      </a:r>
+                      <a:endParaRPr lang="zh-TW" altLang="en-US" b="0">
+                        <a:solidFill>
+                          <a:schemeClr val="tx1"/>
+                        </a:solidFill>
+                      </a:endParaRPr>
+                    </a:p>
+                  </a:txBody>
+                  <a:tcPr anchor="ctr">
+                    <a:lnL w="12700" cap="flat" cmpd="sng" algn="ctr">
+                      <a:solidFill>
+                        <a:schemeClr val="tx1"/>
+                      </a:solidFill>
+                      <a:prstDash val="solid"/>
+                      <a:round/>
+                      <a:headEnd type="none" w="med" len="med"/>
+                      <a:tailEnd type="none" w="med" len="med"/>
+                    </a:lnL>
+                    <a:lnR w="12700" cap="flat" cmpd="sng" algn="ctr">
+                      <a:solidFill>
+                        <a:schemeClr val="tx1"/>
+                      </a:solidFill>
+                      <a:prstDash val="solid"/>
+                      <a:round/>
+                      <a:headEnd type="none" w="med" len="med"/>
+                      <a:tailEnd type="none" w="med" len="med"/>
+                    </a:lnR>
+                    <a:lnT w="12700" cap="flat" cmpd="sng" algn="ctr">
+                      <a:solidFill>
+                        <a:schemeClr val="tx1"/>
+                      </a:solidFill>
+                      <a:prstDash val="solid"/>
+                      <a:round/>
+                      <a:headEnd type="none" w="med" len="med"/>
+                      <a:tailEnd type="none" w="med" len="med"/>
+                    </a:lnT>
+                    <a:lnB w="12700" cap="flat" cmpd="sng" algn="ctr">
+                      <a:solidFill>
+                        <a:schemeClr val="tx1"/>
+                      </a:solidFill>
+                      <a:prstDash val="solid"/>
+                      <a:round/>
+                      <a:headEnd type="none" w="med" len="med"/>
+                      <a:tailEnd type="none" w="med" len="med"/>
+                    </a:lnB>
+                    <a:noFill/>
+                  </a:tcPr>
+                </a:tc>
+                <a:tc>
+                  <a:txBody>
+                    <a:bodyPr/>
+                    <a:lstStyle/>
+                    <a:p>
+                      <a:pPr algn="ctr"/>
+                      <a:r>
+                        <a:rPr lang="en-US" altLang="zh-TW" b="0">
+                          <a:solidFill>
+                            <a:schemeClr val="tx1"/>
+                          </a:solidFill>
+                        </a:rPr>
+                        <a:t>-7.4119</a:t>
+                      </a:r>
+                      <a:endParaRPr lang="zh-TW" altLang="en-US" b="0">
+                        <a:solidFill>
+                          <a:schemeClr val="tx1"/>
+                        </a:solidFill>
+                      </a:endParaRPr>
+                    </a:p>
+                  </a:txBody>
+                  <a:tcPr anchor="ctr">
+                    <a:lnL w="12700" cap="flat" cmpd="sng" algn="ctr">
+                      <a:solidFill>
+                        <a:schemeClr val="tx1"/>
+                      </a:solidFill>
+                      <a:prstDash val="solid"/>
+                      <a:round/>
+                      <a:headEnd type="none" w="med" len="med"/>
+                      <a:tailEnd type="none" w="med" len="med"/>
+                    </a:lnL>
+                    <a:lnR w="12700" cap="flat" cmpd="sng" algn="ctr">
+                      <a:solidFill>
+                        <a:schemeClr val="tx1"/>
+                      </a:solidFill>
+                      <a:prstDash val="solid"/>
+                      <a:round/>
+                      <a:headEnd type="none" w="med" len="med"/>
+                      <a:tailEnd type="none" w="med" len="med"/>
+                    </a:lnR>
+                    <a:lnT w="12700" cap="flat" cmpd="sng" algn="ctr">
+                      <a:solidFill>
+                        <a:schemeClr val="tx1"/>
+                      </a:solidFill>
+                      <a:prstDash val="solid"/>
+                      <a:round/>
+                      <a:headEnd type="none" w="med" len="med"/>
+                      <a:tailEnd type="none" w="med" len="med"/>
+                    </a:lnT>
+                    <a:lnB w="12700" cap="flat" cmpd="sng" algn="ctr">
+                      <a:solidFill>
+                        <a:schemeClr val="tx1"/>
+                      </a:solidFill>
+                      <a:prstDash val="solid"/>
+                      <a:round/>
+                      <a:headEnd type="none" w="med" len="med"/>
+                      <a:tailEnd type="none" w="med" len="med"/>
+                    </a:lnB>
+                    <a:noFill/>
+                  </a:tcPr>
+                </a:tc>
+                <a:extLst>
+                  <a:ext uri="{0D108BD9-81ED-4DB2-BD59-A6C34878D82A}">
+                    <a16:rowId xmlns:a16="http://schemas.microsoft.com/office/drawing/2014/main" val="705586730"/>
+                  </a:ext>
+                </a:extLst>
+              </a:tr>
+              <a:tr h="370840">
+                <a:tc>
+                  <a:txBody>
+                    <a:bodyPr/>
+                    <a:lstStyle/>
+                    <a:p>
+                      <a:pPr algn="ctr"/>
+                      <a:r>
+                        <a:rPr lang="en-US" altLang="zh-TW" b="0">
+                          <a:solidFill>
+                            <a:schemeClr val="tx1"/>
+                          </a:solidFill>
+                        </a:rPr>
+                        <a:t>Wiener</a:t>
+                      </a:r>
+                      <a:endParaRPr lang="zh-TW" altLang="en-US" b="0">
+                        <a:solidFill>
+                          <a:schemeClr val="tx1"/>
+                        </a:solidFill>
+                      </a:endParaRPr>
+                    </a:p>
+                  </a:txBody>
+                  <a:tcPr anchor="ctr">
+                    <a:lnL w="12700" cap="flat" cmpd="sng" algn="ctr">
+                      <a:solidFill>
+                        <a:schemeClr val="tx1"/>
+                      </a:solidFill>
+                      <a:prstDash val="solid"/>
+                      <a:round/>
+                      <a:headEnd type="none" w="med" len="med"/>
+                      <a:tailEnd type="none" w="med" len="med"/>
+                    </a:lnL>
+                    <a:lnR w="12700" cap="flat" cmpd="sng" algn="ctr">
+                      <a:solidFill>
+                        <a:schemeClr val="tx1"/>
+                      </a:solidFill>
+                      <a:prstDash val="solid"/>
+                      <a:round/>
+                      <a:headEnd type="none" w="med" len="med"/>
+                      <a:tailEnd type="none" w="med" len="med"/>
+                    </a:lnR>
+                    <a:lnT w="12700" cap="flat" cmpd="sng" algn="ctr">
+                      <a:solidFill>
+                        <a:schemeClr val="tx1"/>
+                      </a:solidFill>
+                      <a:prstDash val="solid"/>
+                      <a:round/>
+                      <a:headEnd type="none" w="med" len="med"/>
+                      <a:tailEnd type="none" w="med" len="med"/>
+                    </a:lnT>
+                    <a:lnB w="12700" cap="flat" cmpd="sng" algn="ctr">
+                      <a:solidFill>
+                        <a:schemeClr val="tx1"/>
+                      </a:solidFill>
+                      <a:prstDash val="solid"/>
+                      <a:round/>
+                      <a:headEnd type="none" w="med" len="med"/>
+                      <a:tailEnd type="none" w="med" len="med"/>
+                    </a:lnB>
+                    <a:noFill/>
+                  </a:tcPr>
+                </a:tc>
+                <a:tc>
+                  <a:txBody>
+                    <a:bodyPr/>
+                    <a:lstStyle/>
+                    <a:p>
+                      <a:pPr marL="0" marR="0" lvl="0" indent="0" algn="ctr" defTabSz="844083" rtl="0" eaLnBrk="1" fontAlgn="auto" latinLnBrk="0" hangingPunct="1">
+                        <a:lnSpc>
+                          <a:spcPct val="100000"/>
+                        </a:lnSpc>
+                        <a:spcBef>
+                          <a:spcPts val="0"/>
+                        </a:spcBef>
+                        <a:spcAft>
+                          <a:spcPts val="0"/>
+                        </a:spcAft>
+                        <a:buClrTx/>
+                        <a:buSzTx/>
+                        <a:buFontTx/>
+                        <a:buNone/>
+                        <a:tabLst/>
+                        <a:defRPr/>
+                      </a:pPr>
+                      <a:r>
+                        <a:rPr lang="en-US" altLang="zh-TW" b="0">
+                          <a:solidFill>
+                            <a:schemeClr val="tx1"/>
+                          </a:solidFill>
+                        </a:rPr>
+                        <a:t>-9.3472</a:t>
+                      </a:r>
+                      <a:endParaRPr lang="zh-TW" altLang="en-US" b="0">
+                        <a:solidFill>
+                          <a:schemeClr val="tx1"/>
+                        </a:solidFill>
+                      </a:endParaRPr>
+                    </a:p>
+                  </a:txBody>
+                  <a:tcPr anchor="ctr">
+                    <a:lnL w="12700" cap="flat" cmpd="sng" algn="ctr">
+                      <a:solidFill>
+                        <a:schemeClr val="tx1"/>
+                      </a:solidFill>
+                      <a:prstDash val="solid"/>
+                      <a:round/>
+                      <a:headEnd type="none" w="med" len="med"/>
+                      <a:tailEnd type="none" w="med" len="med"/>
+                    </a:lnL>
+                    <a:lnR w="12700" cap="flat" cmpd="sng" algn="ctr">
+                      <a:solidFill>
+                        <a:schemeClr val="tx1"/>
+                      </a:solidFill>
+                      <a:prstDash val="solid"/>
+                      <a:round/>
+                      <a:headEnd type="none" w="med" len="med"/>
+                      <a:tailEnd type="none" w="med" len="med"/>
+                    </a:lnR>
+                    <a:lnT w="12700" cap="flat" cmpd="sng" algn="ctr">
+                      <a:solidFill>
+                        <a:schemeClr val="tx1"/>
+                      </a:solidFill>
+                      <a:prstDash val="solid"/>
+                      <a:round/>
+                      <a:headEnd type="none" w="med" len="med"/>
+                      <a:tailEnd type="none" w="med" len="med"/>
+                    </a:lnT>
+                    <a:lnB w="12700" cap="flat" cmpd="sng" algn="ctr">
+                      <a:solidFill>
+                        <a:schemeClr val="tx1"/>
+                      </a:solidFill>
+                      <a:prstDash val="solid"/>
+                      <a:round/>
+                      <a:headEnd type="none" w="med" len="med"/>
+                      <a:tailEnd type="none" w="med" len="med"/>
+                    </a:lnB>
+                    <a:noFill/>
+                  </a:tcPr>
+                </a:tc>
+                <a:extLst>
+                  <a:ext uri="{0D108BD9-81ED-4DB2-BD59-A6C34878D82A}">
+                    <a16:rowId xmlns:a16="http://schemas.microsoft.com/office/drawing/2014/main" val="2294052671"/>
+                  </a:ext>
+                </a:extLst>
+              </a:tr>
+              <a:tr h="370840">
+                <a:tc>
+                  <a:txBody>
+                    <a:bodyPr/>
+                    <a:lstStyle/>
+                    <a:p>
+                      <a:pPr algn="ctr"/>
+                      <a:r>
+                        <a:rPr lang="en-US" altLang="zh-TW" b="0">
+                          <a:solidFill>
+                            <a:schemeClr val="tx1"/>
+                          </a:solidFill>
+                        </a:rPr>
+                        <a:t>Kalman</a:t>
+                      </a:r>
+                      <a:endParaRPr lang="zh-TW" altLang="en-US" b="0">
+                        <a:solidFill>
+                          <a:schemeClr val="tx1"/>
+                        </a:solidFill>
+                      </a:endParaRPr>
+                    </a:p>
+                  </a:txBody>
+                  <a:tcPr anchor="ctr">
+                    <a:lnL w="12700" cap="flat" cmpd="sng" algn="ctr">
+                      <a:solidFill>
+                        <a:schemeClr val="tx1"/>
+                      </a:solidFill>
+                      <a:prstDash val="solid"/>
+                      <a:round/>
+                      <a:headEnd type="none" w="med" len="med"/>
+                      <a:tailEnd type="none" w="med" len="med"/>
+                    </a:lnL>
+                    <a:lnR w="12700" cap="flat" cmpd="sng" algn="ctr">
+                      <a:solidFill>
+                        <a:schemeClr val="tx1"/>
+                      </a:solidFill>
+                      <a:prstDash val="solid"/>
+                      <a:round/>
+                      <a:headEnd type="none" w="med" len="med"/>
+                      <a:tailEnd type="none" w="med" len="med"/>
+                    </a:lnR>
+                    <a:lnT w="12700" cap="flat" cmpd="sng" algn="ctr">
+                      <a:solidFill>
+                        <a:schemeClr val="tx1"/>
+                      </a:solidFill>
+                      <a:prstDash val="solid"/>
+                      <a:round/>
+                      <a:headEnd type="none" w="med" len="med"/>
+                      <a:tailEnd type="none" w="med" len="med"/>
+                    </a:lnT>
+                    <a:lnB w="12700" cap="flat" cmpd="sng" algn="ctr">
+                      <a:solidFill>
+                        <a:schemeClr val="tx1"/>
+                      </a:solidFill>
+                      <a:prstDash val="solid"/>
+                      <a:round/>
+                      <a:headEnd type="none" w="med" len="med"/>
+                      <a:tailEnd type="none" w="med" len="med"/>
+                    </a:lnB>
+                    <a:noFill/>
+                  </a:tcPr>
+                </a:tc>
+                <a:tc>
+                  <a:txBody>
+                    <a:bodyPr/>
+                    <a:lstStyle/>
+                    <a:p>
+                      <a:pPr algn="ctr"/>
+                      <a:r>
+                        <a:rPr lang="en-US" altLang="zh-TW" b="0">
+                          <a:solidFill>
+                            <a:schemeClr val="tx1"/>
+                          </a:solidFill>
+                        </a:rPr>
+                        <a:t>-9.3561</a:t>
+                      </a:r>
+                      <a:endParaRPr lang="zh-TW" altLang="en-US" b="0">
+                        <a:solidFill>
+                          <a:schemeClr val="tx1"/>
+                        </a:solidFill>
+                      </a:endParaRPr>
+                    </a:p>
+                  </a:txBody>
+                  <a:tcPr anchor="ctr">
+                    <a:lnL w="12700" cap="flat" cmpd="sng" algn="ctr">
+                      <a:solidFill>
+                        <a:schemeClr val="tx1"/>
+                      </a:solidFill>
+                      <a:prstDash val="solid"/>
+                      <a:round/>
+                      <a:headEnd type="none" w="med" len="med"/>
+                      <a:tailEnd type="none" w="med" len="med"/>
+                    </a:lnL>
+                    <a:lnR w="12700" cap="flat" cmpd="sng" algn="ctr">
+                      <a:solidFill>
+                        <a:schemeClr val="tx1"/>
+                      </a:solidFill>
+                      <a:prstDash val="solid"/>
+                      <a:round/>
+                      <a:headEnd type="none" w="med" len="med"/>
+                      <a:tailEnd type="none" w="med" len="med"/>
+                    </a:lnR>
+                    <a:lnT w="12700" cap="flat" cmpd="sng" algn="ctr">
+                      <a:solidFill>
+                        <a:schemeClr val="tx1"/>
+                      </a:solidFill>
+                      <a:prstDash val="solid"/>
+                      <a:round/>
+                      <a:headEnd type="none" w="med" len="med"/>
+                      <a:tailEnd type="none" w="med" len="med"/>
+                    </a:lnT>
+                    <a:lnB w="12700" cap="flat" cmpd="sng" algn="ctr">
+                      <a:solidFill>
+                        <a:schemeClr val="tx1"/>
+                      </a:solidFill>
+                      <a:prstDash val="solid"/>
+                      <a:round/>
+                      <a:headEnd type="none" w="med" len="med"/>
+                      <a:tailEnd type="none" w="med" len="med"/>
+                    </a:lnB>
+                    <a:noFill/>
+                  </a:tcPr>
+                </a:tc>
+                <a:extLst>
+                  <a:ext uri="{0D108BD9-81ED-4DB2-BD59-A6C34878D82A}">
+                    <a16:rowId xmlns:a16="http://schemas.microsoft.com/office/drawing/2014/main" val="592187553"/>
+                  </a:ext>
+                </a:extLst>
+              </a:tr>
+            </a:tbl>
+          </a:graphicData>
+        </a:graphic>
+      </p:graphicFrame>
+      <p:graphicFrame>
+        <p:nvGraphicFramePr>
+          <p:cNvPr id="25" name="物件 24">
+            <a:extLst>
+              <a:ext uri="{FF2B5EF4-FFF2-40B4-BE49-F238E27FC236}">
+                <a16:creationId xmlns:a16="http://schemas.microsoft.com/office/drawing/2014/main" id="{FFF44D90-E693-4ED1-8AB1-25C93E0AA7FD}"/>
+              </a:ext>
+            </a:extLst>
+          </p:cNvPr>
+          <p:cNvGraphicFramePr>
+            <a:graphicFrameLocks noChangeAspect="1"/>
+          </p:cNvGraphicFramePr>
+          <p:nvPr>
+            <p:extLst>
+              <p:ext uri="{D42A27DB-BD31-4B8C-83A1-F6EECF244321}">
+                <p14:modId xmlns:p14="http://schemas.microsoft.com/office/powerpoint/2010/main" val="2432672988"/>
+              </p:ext>
+            </p:extLst>
+          </p:nvPr>
+        </p:nvGraphicFramePr>
+        <p:xfrm>
+          <a:off x="7936384" y="1384833"/>
+          <a:ext cx="2546350" cy="588963"/>
+        </p:xfrm>
+        <a:graphic>
+          <a:graphicData uri="http://schemas.openxmlformats.org/presentationml/2006/ole">
+            <mc:AlternateContent xmlns:mc="http://schemas.openxmlformats.org/markup-compatibility/2006">
+              <mc:Choice xmlns:v="urn:schemas-microsoft-com:vml" Requires="v">
+                <p:oleObj spid="_x0000_s1028" name="Equation" r:id="rId8" imgW="2546526" imgH="589382" progId="Equation.DSMT4">
+                  <p:embed/>
+                </p:oleObj>
+              </mc:Choice>
+              <mc:Fallback>
+                <p:oleObj name="Equation" r:id="rId8" imgW="2546526" imgH="589382" progId="Equation.DSMT4">
+                  <p:embed/>
+                  <p:pic>
+                    <p:nvPicPr>
+                      <p:cNvPr id="0" name=""/>
+                      <p:cNvPicPr/>
+                      <p:nvPr/>
+                    </p:nvPicPr>
+                    <p:blipFill>
+                      <a:blip r:embed="rId9"/>
+                      <a:stretch>
+                        <a:fillRect/>
+                      </a:stretch>
+                    </p:blipFill>
+                    <p:spPr>
+                      <a:xfrm>
+                        <a:off x="7936384" y="1384833"/>
+                        <a:ext cx="2546350" cy="588963"/>
+                      </a:xfrm>
+                      <a:prstGeom prst="rect">
+                        <a:avLst/>
+                      </a:prstGeom>
+                    </p:spPr>
+                  </p:pic>
+                </p:oleObj>
+              </mc:Fallback>
+            </mc:AlternateContent>
+          </a:graphicData>
+        </a:graphic>
+      </p:graphicFrame>
+      <p:sp>
+        <p:nvSpPr>
+          <p:cNvPr id="28" name="文字方塊 27">
+            <a:extLst>
+              <a:ext uri="{FF2B5EF4-FFF2-40B4-BE49-F238E27FC236}">
+                <a16:creationId xmlns:a16="http://schemas.microsoft.com/office/drawing/2014/main" id="{0703B9BC-F8BB-43DC-93B1-79E6ACF905D5}"/>
+              </a:ext>
+            </a:extLst>
+          </p:cNvPr>
+          <p:cNvSpPr txBox="1"/>
+          <p:nvPr/>
+        </p:nvSpPr>
+        <p:spPr>
+          <a:xfrm>
+            <a:off x="8255620" y="645648"/>
+            <a:ext cx="2512639" cy="738664"/>
+          </a:xfrm>
+          <a:prstGeom prst="rect">
+            <a:avLst/>
+          </a:prstGeom>
+          <a:noFill/>
+        </p:spPr>
+        <p:txBody>
+          <a:bodyPr wrap="square">
+            <a:spAutoFit/>
+          </a:bodyPr>
+          <a:lstStyle/>
+          <a:p>
+            <a:r>
+              <a:rPr lang="en-US" altLang="zh-TW" sz="1400">
+                <a:effectLst/>
+                <a:latin typeface="Times New Roman" panose="02020603050405020304" pitchFamily="18" charset="0"/>
+                <a:ea typeface="標楷體" panose="03000509000000000000" pitchFamily="65" charset="-120"/>
+              </a:rPr>
+              <a:t>Normalized root mean square projection misalignment (NRMSPM)</a:t>
+            </a:r>
+            <a:endParaRPr lang="zh-TW" altLang="en-US" sz="1400"/>
           </a:p>
         </p:txBody>
       </p:sp>
@@ -4896,7 +5922,7 @@
                 <a:cs typeface="Times New Roman" panose="02020603050405020304" pitchFamily="18" charset="0"/>
               </a:rPr>
               <a:pPr/>
-              <a:t>2024/8/6</a:t>
+              <a:t>2024/8/7</a:t>
             </a:fld>
             <a:endParaRPr lang="zh-TW" altLang="en-US">
               <a:latin typeface="Times New Roman" panose="02020603050405020304" pitchFamily="18" charset="0"/>
@@ -4969,36 +5995,6 @@
           </a:p>
         </p:txBody>
       </p:sp>
-      <p:pic>
-        <p:nvPicPr>
-          <p:cNvPr id="7" name="圖片 6">
-            <a:extLst>
-              <a:ext uri="{FF2B5EF4-FFF2-40B4-BE49-F238E27FC236}">
-                <a16:creationId xmlns:a16="http://schemas.microsoft.com/office/drawing/2014/main" id="{D1AD797A-CF9E-4644-96D9-4CF6CE38C0C2}"/>
-              </a:ext>
-            </a:extLst>
-          </p:cNvPr>
-          <p:cNvPicPr>
-            <a:picLocks noChangeAspect="1"/>
-          </p:cNvPicPr>
-          <p:nvPr/>
-        </p:nvPicPr>
-        <p:blipFill>
-          <a:blip r:embed="rId2"/>
-          <a:stretch>
-            <a:fillRect/>
-          </a:stretch>
-        </p:blipFill>
-        <p:spPr>
-          <a:xfrm>
-            <a:off x="4169809" y="899235"/>
-            <a:ext cx="5283419" cy="3981433"/>
-          </a:xfrm>
-          <a:prstGeom prst="rect">
-            <a:avLst/>
-          </a:prstGeom>
-        </p:spPr>
-      </p:pic>
       <p:graphicFrame>
         <p:nvGraphicFramePr>
           <p:cNvPr id="9" name="表格 9">
@@ -5951,7 +6947,7 @@
           <p:nvPr/>
         </p:nvPicPr>
         <p:blipFill>
-          <a:blip r:embed="rId3"/>
+          <a:blip r:embed="rId2"/>
           <a:stretch>
             <a:fillRect/>
           </a:stretch>
@@ -6203,8 +7199,8 @@
         </p:nvSpPr>
         <p:spPr>
           <a:xfrm>
-            <a:off x="1108184" y="3037162"/>
-            <a:ext cx="5346970" cy="408253"/>
+            <a:off x="1075759" y="3054479"/>
+            <a:ext cx="3810511" cy="724173"/>
           </a:xfrm>
           <a:prstGeom prst="rect">
             <a:avLst/>
@@ -6218,11 +7214,608 @@
           <a:lstStyle/>
           <a:p>
             <a:r>
-              <a:rPr lang="en-US" altLang="zh-TW" dirty="0">
+              <a:rPr lang="en-US" altLang="zh-TW">
                 <a:latin typeface="Times New Roman" panose="02020603050405020304" pitchFamily="18" charset="0"/>
                 <a:cs typeface="Times New Roman" panose="02020603050405020304" pitchFamily="18" charset="0"/>
               </a:rPr>
-              <a:t>Microphones</a:t>
+              <a:t>Compact Mics array (ULA)</a:t>
+            </a:r>
+          </a:p>
+          <a:p>
+            <a:r>
+              <a:rPr lang="en-US" altLang="zh-TW">
+                <a:latin typeface="Times New Roman" panose="02020603050405020304" pitchFamily="18" charset="0"/>
+                <a:cs typeface="Times New Roman" panose="02020603050405020304" pitchFamily="18" charset="0"/>
+              </a:rPr>
+              <a:t>for beamforming</a:t>
+            </a:r>
+            <a:endParaRPr lang="zh-TW" altLang="en-US" dirty="0">
+              <a:latin typeface="Times New Roman" panose="02020603050405020304" pitchFamily="18" charset="0"/>
+              <a:cs typeface="Times New Roman" panose="02020603050405020304" pitchFamily="18" charset="0"/>
+            </a:endParaRPr>
+          </a:p>
+        </p:txBody>
+      </p:sp>
+      <p:grpSp>
+        <p:nvGrpSpPr>
+          <p:cNvPr id="8" name="群組 7">
+            <a:extLst>
+              <a:ext uri="{FF2B5EF4-FFF2-40B4-BE49-F238E27FC236}">
+                <a16:creationId xmlns:a16="http://schemas.microsoft.com/office/drawing/2014/main" id="{013FA488-8141-41C2-9B29-27D132BA0FCF}"/>
+              </a:ext>
+            </a:extLst>
+          </p:cNvPr>
+          <p:cNvGrpSpPr/>
+          <p:nvPr/>
+        </p:nvGrpSpPr>
+        <p:grpSpPr>
+          <a:xfrm>
+            <a:off x="4612599" y="841717"/>
+            <a:ext cx="5283419" cy="3981433"/>
+            <a:chOff x="4169809" y="899235"/>
+            <a:chExt cx="5283419" cy="3981433"/>
+          </a:xfrm>
+        </p:grpSpPr>
+        <p:pic>
+          <p:nvPicPr>
+            <p:cNvPr id="7" name="圖片 6">
+              <a:extLst>
+                <a:ext uri="{FF2B5EF4-FFF2-40B4-BE49-F238E27FC236}">
+                  <a16:creationId xmlns:a16="http://schemas.microsoft.com/office/drawing/2014/main" id="{D1AD797A-CF9E-4644-96D9-4CF6CE38C0C2}"/>
+                </a:ext>
+              </a:extLst>
+            </p:cNvPr>
+            <p:cNvPicPr>
+              <a:picLocks noChangeAspect="1"/>
+            </p:cNvPicPr>
+            <p:nvPr/>
+          </p:nvPicPr>
+          <p:blipFill>
+            <a:blip r:embed="rId3"/>
+            <a:stretch>
+              <a:fillRect/>
+            </a:stretch>
+          </p:blipFill>
+          <p:spPr>
+            <a:xfrm>
+              <a:off x="4169809" y="899235"/>
+              <a:ext cx="5283419" cy="3981433"/>
+            </a:xfrm>
+            <a:prstGeom prst="rect">
+              <a:avLst/>
+            </a:prstGeom>
+          </p:spPr>
+        </p:pic>
+        <p:sp>
+          <p:nvSpPr>
+            <p:cNvPr id="6" name="橢圓 5">
+              <a:extLst>
+                <a:ext uri="{FF2B5EF4-FFF2-40B4-BE49-F238E27FC236}">
+                  <a16:creationId xmlns:a16="http://schemas.microsoft.com/office/drawing/2014/main" id="{6CAB1F28-2A95-4E21-8317-CD0596E7A523}"/>
+                </a:ext>
+              </a:extLst>
+            </p:cNvPr>
+            <p:cNvSpPr/>
+            <p:nvPr/>
+          </p:nvSpPr>
+          <p:spPr>
+            <a:xfrm>
+              <a:off x="6394737" y="2079491"/>
+              <a:ext cx="55984" cy="45719"/>
+            </a:xfrm>
+            <a:prstGeom prst="ellipse">
+              <a:avLst/>
+            </a:prstGeom>
+            <a:solidFill>
+              <a:srgbClr val="0000FF"/>
+            </a:solidFill>
+            <a:ln>
+              <a:solidFill>
+                <a:srgbClr val="0000FF"/>
+              </a:solidFill>
+            </a:ln>
+          </p:spPr>
+          <p:style>
+            <a:lnRef idx="2">
+              <a:schemeClr val="accent1">
+                <a:shade val="50000"/>
+              </a:schemeClr>
+            </a:lnRef>
+            <a:fillRef idx="1">
+              <a:schemeClr val="accent1"/>
+            </a:fillRef>
+            <a:effectRef idx="0">
+              <a:schemeClr val="accent1"/>
+            </a:effectRef>
+            <a:fontRef idx="minor">
+              <a:schemeClr val="lt1"/>
+            </a:fontRef>
+          </p:style>
+          <p:txBody>
+            <a:bodyPr rtlCol="0" anchor="ctr"/>
+            <a:lstStyle/>
+            <a:p>
+              <a:pPr algn="ctr"/>
+              <a:endParaRPr lang="zh-TW" altLang="en-US"/>
+            </a:p>
+          </p:txBody>
+        </p:sp>
+        <p:sp>
+          <p:nvSpPr>
+            <p:cNvPr id="18" name="橢圓 17">
+              <a:extLst>
+                <a:ext uri="{FF2B5EF4-FFF2-40B4-BE49-F238E27FC236}">
+                  <a16:creationId xmlns:a16="http://schemas.microsoft.com/office/drawing/2014/main" id="{E01FEF73-F505-49C9-A196-90BC19CC6EA0}"/>
+                </a:ext>
+              </a:extLst>
+            </p:cNvPr>
+            <p:cNvSpPr/>
+            <p:nvPr/>
+          </p:nvSpPr>
+          <p:spPr>
+            <a:xfrm>
+              <a:off x="6593790" y="2015110"/>
+              <a:ext cx="55984" cy="45719"/>
+            </a:xfrm>
+            <a:prstGeom prst="ellipse">
+              <a:avLst/>
+            </a:prstGeom>
+            <a:solidFill>
+              <a:srgbClr val="0000FF"/>
+            </a:solidFill>
+            <a:ln>
+              <a:solidFill>
+                <a:srgbClr val="0000FF"/>
+              </a:solidFill>
+            </a:ln>
+          </p:spPr>
+          <p:style>
+            <a:lnRef idx="2">
+              <a:schemeClr val="accent1">
+                <a:shade val="50000"/>
+              </a:schemeClr>
+            </a:lnRef>
+            <a:fillRef idx="1">
+              <a:schemeClr val="accent1"/>
+            </a:fillRef>
+            <a:effectRef idx="0">
+              <a:schemeClr val="accent1"/>
+            </a:effectRef>
+            <a:fontRef idx="minor">
+              <a:schemeClr val="lt1"/>
+            </a:fontRef>
+          </p:style>
+          <p:txBody>
+            <a:bodyPr rtlCol="0" anchor="ctr"/>
+            <a:lstStyle/>
+            <a:p>
+              <a:pPr algn="ctr"/>
+              <a:endParaRPr lang="zh-TW" altLang="en-US"/>
+            </a:p>
+          </p:txBody>
+        </p:sp>
+        <p:sp>
+          <p:nvSpPr>
+            <p:cNvPr id="21" name="橢圓 20">
+              <a:extLst>
+                <a:ext uri="{FF2B5EF4-FFF2-40B4-BE49-F238E27FC236}">
+                  <a16:creationId xmlns:a16="http://schemas.microsoft.com/office/drawing/2014/main" id="{C328771E-9379-40EA-B884-FFFCA4E055EF}"/>
+                </a:ext>
+              </a:extLst>
+            </p:cNvPr>
+            <p:cNvSpPr/>
+            <p:nvPr/>
+          </p:nvSpPr>
+          <p:spPr>
+            <a:xfrm>
+              <a:off x="6948354" y="2129694"/>
+              <a:ext cx="55984" cy="45719"/>
+            </a:xfrm>
+            <a:prstGeom prst="ellipse">
+              <a:avLst/>
+            </a:prstGeom>
+            <a:solidFill>
+              <a:srgbClr val="0000FF"/>
+            </a:solidFill>
+            <a:ln>
+              <a:solidFill>
+                <a:srgbClr val="0000FF"/>
+              </a:solidFill>
+            </a:ln>
+          </p:spPr>
+          <p:style>
+            <a:lnRef idx="2">
+              <a:schemeClr val="accent1">
+                <a:shade val="50000"/>
+              </a:schemeClr>
+            </a:lnRef>
+            <a:fillRef idx="1">
+              <a:schemeClr val="accent1"/>
+            </a:fillRef>
+            <a:effectRef idx="0">
+              <a:schemeClr val="accent1"/>
+            </a:effectRef>
+            <a:fontRef idx="minor">
+              <a:schemeClr val="lt1"/>
+            </a:fontRef>
+          </p:style>
+          <p:txBody>
+            <a:bodyPr rtlCol="0" anchor="ctr"/>
+            <a:lstStyle/>
+            <a:p>
+              <a:pPr algn="ctr"/>
+              <a:endParaRPr lang="zh-TW" altLang="en-US"/>
+            </a:p>
+          </p:txBody>
+        </p:sp>
+        <p:sp>
+          <p:nvSpPr>
+            <p:cNvPr id="22" name="橢圓 21">
+              <a:extLst>
+                <a:ext uri="{FF2B5EF4-FFF2-40B4-BE49-F238E27FC236}">
+                  <a16:creationId xmlns:a16="http://schemas.microsoft.com/office/drawing/2014/main" id="{85AA97AB-7E4B-4E1B-8ECA-30F91506C947}"/>
+                </a:ext>
+              </a:extLst>
+            </p:cNvPr>
+            <p:cNvSpPr/>
+            <p:nvPr/>
+          </p:nvSpPr>
+          <p:spPr>
+            <a:xfrm>
+              <a:off x="7153626" y="2052546"/>
+              <a:ext cx="55984" cy="45719"/>
+            </a:xfrm>
+            <a:prstGeom prst="ellipse">
+              <a:avLst/>
+            </a:prstGeom>
+            <a:solidFill>
+              <a:srgbClr val="0000FF"/>
+            </a:solidFill>
+            <a:ln>
+              <a:solidFill>
+                <a:srgbClr val="0000FF"/>
+              </a:solidFill>
+            </a:ln>
+          </p:spPr>
+          <p:style>
+            <a:lnRef idx="2">
+              <a:schemeClr val="accent1">
+                <a:shade val="50000"/>
+              </a:schemeClr>
+            </a:lnRef>
+            <a:fillRef idx="1">
+              <a:schemeClr val="accent1"/>
+            </a:fillRef>
+            <a:effectRef idx="0">
+              <a:schemeClr val="accent1"/>
+            </a:effectRef>
+            <a:fontRef idx="minor">
+              <a:schemeClr val="lt1"/>
+            </a:fontRef>
+          </p:style>
+          <p:txBody>
+            <a:bodyPr rtlCol="0" anchor="ctr"/>
+            <a:lstStyle/>
+            <a:p>
+              <a:pPr algn="ctr"/>
+              <a:endParaRPr lang="zh-TW" altLang="en-US"/>
+            </a:p>
+          </p:txBody>
+        </p:sp>
+        <p:sp>
+          <p:nvSpPr>
+            <p:cNvPr id="23" name="橢圓 22">
+              <a:extLst>
+                <a:ext uri="{FF2B5EF4-FFF2-40B4-BE49-F238E27FC236}">
+                  <a16:creationId xmlns:a16="http://schemas.microsoft.com/office/drawing/2014/main" id="{3292BA01-4FCB-47F6-8D24-3AAE9C7A5C3F}"/>
+                </a:ext>
+              </a:extLst>
+            </p:cNvPr>
+            <p:cNvSpPr/>
+            <p:nvPr/>
+          </p:nvSpPr>
+          <p:spPr>
+            <a:xfrm>
+              <a:off x="6376075" y="3111997"/>
+              <a:ext cx="55984" cy="45719"/>
+            </a:xfrm>
+            <a:prstGeom prst="ellipse">
+              <a:avLst/>
+            </a:prstGeom>
+            <a:solidFill>
+              <a:srgbClr val="0000FF"/>
+            </a:solidFill>
+            <a:ln>
+              <a:solidFill>
+                <a:srgbClr val="0000FF"/>
+              </a:solidFill>
+            </a:ln>
+          </p:spPr>
+          <p:style>
+            <a:lnRef idx="2">
+              <a:schemeClr val="accent1">
+                <a:shade val="50000"/>
+              </a:schemeClr>
+            </a:lnRef>
+            <a:fillRef idx="1">
+              <a:schemeClr val="accent1"/>
+            </a:fillRef>
+            <a:effectRef idx="0">
+              <a:schemeClr val="accent1"/>
+            </a:effectRef>
+            <a:fontRef idx="minor">
+              <a:schemeClr val="lt1"/>
+            </a:fontRef>
+          </p:style>
+          <p:txBody>
+            <a:bodyPr rtlCol="0" anchor="ctr"/>
+            <a:lstStyle/>
+            <a:p>
+              <a:pPr algn="ctr"/>
+              <a:endParaRPr lang="zh-TW" altLang="en-US"/>
+            </a:p>
+          </p:txBody>
+        </p:sp>
+        <p:sp>
+          <p:nvSpPr>
+            <p:cNvPr id="24" name="橢圓 23">
+              <a:extLst>
+                <a:ext uri="{FF2B5EF4-FFF2-40B4-BE49-F238E27FC236}">
+                  <a16:creationId xmlns:a16="http://schemas.microsoft.com/office/drawing/2014/main" id="{BABDE4A1-0B6A-43E0-8351-8A82437A9E41}"/>
+                </a:ext>
+              </a:extLst>
+            </p:cNvPr>
+            <p:cNvSpPr/>
+            <p:nvPr/>
+          </p:nvSpPr>
+          <p:spPr>
+            <a:xfrm>
+              <a:off x="6584459" y="3022463"/>
+              <a:ext cx="55984" cy="45719"/>
+            </a:xfrm>
+            <a:prstGeom prst="ellipse">
+              <a:avLst/>
+            </a:prstGeom>
+            <a:solidFill>
+              <a:srgbClr val="0000FF"/>
+            </a:solidFill>
+            <a:ln>
+              <a:solidFill>
+                <a:srgbClr val="0000FF"/>
+              </a:solidFill>
+            </a:ln>
+          </p:spPr>
+          <p:style>
+            <a:lnRef idx="2">
+              <a:schemeClr val="accent1">
+                <a:shade val="50000"/>
+              </a:schemeClr>
+            </a:lnRef>
+            <a:fillRef idx="1">
+              <a:schemeClr val="accent1"/>
+            </a:fillRef>
+            <a:effectRef idx="0">
+              <a:schemeClr val="accent1"/>
+            </a:effectRef>
+            <a:fontRef idx="minor">
+              <a:schemeClr val="lt1"/>
+            </a:fontRef>
+          </p:style>
+          <p:txBody>
+            <a:bodyPr rtlCol="0" anchor="ctr"/>
+            <a:lstStyle/>
+            <a:p>
+              <a:pPr algn="ctr"/>
+              <a:endParaRPr lang="zh-TW" altLang="en-US"/>
+            </a:p>
+          </p:txBody>
+        </p:sp>
+        <p:sp>
+          <p:nvSpPr>
+            <p:cNvPr id="25" name="橢圓 24">
+              <a:extLst>
+                <a:ext uri="{FF2B5EF4-FFF2-40B4-BE49-F238E27FC236}">
+                  <a16:creationId xmlns:a16="http://schemas.microsoft.com/office/drawing/2014/main" id="{564A4A06-500B-4413-AA11-85FBFB0E43D1}"/>
+                </a:ext>
+              </a:extLst>
+            </p:cNvPr>
+            <p:cNvSpPr/>
+            <p:nvPr/>
+          </p:nvSpPr>
+          <p:spPr>
+            <a:xfrm>
+              <a:off x="6948354" y="3157716"/>
+              <a:ext cx="55984" cy="45719"/>
+            </a:xfrm>
+            <a:prstGeom prst="ellipse">
+              <a:avLst/>
+            </a:prstGeom>
+            <a:solidFill>
+              <a:srgbClr val="0000FF"/>
+            </a:solidFill>
+            <a:ln>
+              <a:solidFill>
+                <a:srgbClr val="0000FF"/>
+              </a:solidFill>
+            </a:ln>
+          </p:spPr>
+          <p:style>
+            <a:lnRef idx="2">
+              <a:schemeClr val="accent1">
+                <a:shade val="50000"/>
+              </a:schemeClr>
+            </a:lnRef>
+            <a:fillRef idx="1">
+              <a:schemeClr val="accent1"/>
+            </a:fillRef>
+            <a:effectRef idx="0">
+              <a:schemeClr val="accent1"/>
+            </a:effectRef>
+            <a:fontRef idx="minor">
+              <a:schemeClr val="lt1"/>
+            </a:fontRef>
+          </p:style>
+          <p:txBody>
+            <a:bodyPr rtlCol="0" anchor="ctr"/>
+            <a:lstStyle/>
+            <a:p>
+              <a:pPr algn="ctr"/>
+              <a:endParaRPr lang="zh-TW" altLang="en-US"/>
+            </a:p>
+          </p:txBody>
+        </p:sp>
+        <p:sp>
+          <p:nvSpPr>
+            <p:cNvPr id="26" name="橢圓 25">
+              <a:extLst>
+                <a:ext uri="{FF2B5EF4-FFF2-40B4-BE49-F238E27FC236}">
+                  <a16:creationId xmlns:a16="http://schemas.microsoft.com/office/drawing/2014/main" id="{03DB20D3-085C-44F8-96AA-98809FBDE31E}"/>
+                </a:ext>
+              </a:extLst>
+            </p:cNvPr>
+            <p:cNvSpPr/>
+            <p:nvPr/>
+          </p:nvSpPr>
+          <p:spPr>
+            <a:xfrm>
+              <a:off x="7153626" y="3074672"/>
+              <a:ext cx="55984" cy="45719"/>
+            </a:xfrm>
+            <a:prstGeom prst="ellipse">
+              <a:avLst/>
+            </a:prstGeom>
+            <a:solidFill>
+              <a:srgbClr val="0000FF"/>
+            </a:solidFill>
+            <a:ln>
+              <a:solidFill>
+                <a:srgbClr val="0000FF"/>
+              </a:solidFill>
+            </a:ln>
+          </p:spPr>
+          <p:style>
+            <a:lnRef idx="2">
+              <a:schemeClr val="accent1">
+                <a:shade val="50000"/>
+              </a:schemeClr>
+            </a:lnRef>
+            <a:fillRef idx="1">
+              <a:schemeClr val="accent1"/>
+            </a:fillRef>
+            <a:effectRef idx="0">
+              <a:schemeClr val="accent1"/>
+            </a:effectRef>
+            <a:fontRef idx="minor">
+              <a:schemeClr val="lt1"/>
+            </a:fontRef>
+          </p:style>
+          <p:txBody>
+            <a:bodyPr rtlCol="0" anchor="ctr"/>
+            <a:lstStyle/>
+            <a:p>
+              <a:pPr algn="ctr"/>
+              <a:endParaRPr lang="zh-TW" altLang="en-US"/>
+            </a:p>
+          </p:txBody>
+        </p:sp>
+      </p:grpSp>
+      <p:sp>
+        <p:nvSpPr>
+          <p:cNvPr id="27" name="橢圓 26">
+            <a:extLst>
+              <a:ext uri="{FF2B5EF4-FFF2-40B4-BE49-F238E27FC236}">
+                <a16:creationId xmlns:a16="http://schemas.microsoft.com/office/drawing/2014/main" id="{AF38DE51-C077-425E-A5FE-33CD66B0CAAF}"/>
+              </a:ext>
+            </a:extLst>
+          </p:cNvPr>
+          <p:cNvSpPr/>
+          <p:nvPr/>
+        </p:nvSpPr>
+        <p:spPr>
+          <a:xfrm>
+            <a:off x="899522" y="4183468"/>
+            <a:ext cx="55984" cy="45719"/>
+          </a:xfrm>
+          <a:prstGeom prst="ellipse">
+            <a:avLst/>
+          </a:prstGeom>
+          <a:solidFill>
+            <a:srgbClr val="0000FF"/>
+          </a:solidFill>
+          <a:ln>
+            <a:solidFill>
+              <a:srgbClr val="0000FF"/>
+            </a:solidFill>
+          </a:ln>
+        </p:spPr>
+        <p:style>
+          <a:lnRef idx="2">
+            <a:schemeClr val="accent1">
+              <a:shade val="50000"/>
+            </a:schemeClr>
+          </a:lnRef>
+          <a:fillRef idx="1">
+            <a:schemeClr val="accent1"/>
+          </a:fillRef>
+          <a:effectRef idx="0">
+            <a:schemeClr val="accent1"/>
+          </a:effectRef>
+          <a:fontRef idx="minor">
+            <a:schemeClr val="lt1"/>
+          </a:fontRef>
+        </p:style>
+        <p:txBody>
+          <a:bodyPr rtlCol="0" anchor="ctr"/>
+          <a:lstStyle/>
+          <a:p>
+            <a:pPr algn="ctr"/>
+            <a:endParaRPr lang="zh-TW" altLang="en-US"/>
+          </a:p>
+        </p:txBody>
+      </p:sp>
+      <p:sp>
+        <p:nvSpPr>
+          <p:cNvPr id="28" name="文字方塊 27">
+            <a:extLst>
+              <a:ext uri="{FF2B5EF4-FFF2-40B4-BE49-F238E27FC236}">
+                <a16:creationId xmlns:a16="http://schemas.microsoft.com/office/drawing/2014/main" id="{F5E7E9A9-D474-4EAD-970B-569F291D971B}"/>
+              </a:ext>
+            </a:extLst>
+          </p:cNvPr>
+          <p:cNvSpPr txBox="1"/>
+          <p:nvPr/>
+        </p:nvSpPr>
+        <p:spPr>
+          <a:xfrm>
+            <a:off x="1108184" y="3994901"/>
+            <a:ext cx="5346970" cy="724173"/>
+          </a:xfrm>
+          <a:prstGeom prst="rect">
+            <a:avLst/>
+          </a:prstGeom>
+          <a:noFill/>
+        </p:spPr>
+        <p:txBody>
+          <a:bodyPr wrap="square">
+            <a:spAutoFit/>
+          </a:bodyPr>
+          <a:lstStyle/>
+          <a:p>
+            <a:r>
+              <a:rPr lang="en-US" altLang="zh-TW">
+                <a:latin typeface="Times New Roman" panose="02020603050405020304" pitchFamily="18" charset="0"/>
+                <a:cs typeface="Times New Roman" panose="02020603050405020304" pitchFamily="18" charset="0"/>
+              </a:rPr>
+              <a:t>Distributed Mics array</a:t>
+            </a:r>
+          </a:p>
+          <a:p>
+            <a:r>
+              <a:rPr lang="en-US" altLang="zh-TW">
+                <a:latin typeface="Times New Roman" panose="02020603050405020304" pitchFamily="18" charset="0"/>
+                <a:cs typeface="Times New Roman" panose="02020603050405020304" pitchFamily="18" charset="0"/>
+              </a:rPr>
+              <a:t>for TDOA-based localization</a:t>
             </a:r>
             <a:endParaRPr lang="zh-TW" altLang="en-US" dirty="0">
               <a:latin typeface="Times New Roman" panose="02020603050405020304" pitchFamily="18" charset="0"/>
@@ -6312,7 +7905,7 @@
                 <a:cs typeface="Times New Roman" panose="02020603050405020304" pitchFamily="18" charset="0"/>
               </a:rPr>
               <a:pPr/>
-              <a:t>2024/8/6</a:t>
+              <a:t>2024/8/7</a:t>
             </a:fld>
             <a:endParaRPr lang="zh-TW" altLang="en-US">
               <a:latin typeface="Times New Roman" panose="02020603050405020304" pitchFamily="18" charset="0"/>
@@ -6610,7 +8203,7 @@
                 <a:cs typeface="Times New Roman" panose="02020603050405020304" pitchFamily="18" charset="0"/>
               </a:rPr>
               <a:pPr/>
-              <a:t>2024/8/6</a:t>
+              <a:t>2024/8/7</a:t>
             </a:fld>
             <a:endParaRPr lang="zh-TW" altLang="en-US">
               <a:latin typeface="Times New Roman" panose="02020603050405020304" pitchFamily="18" charset="0"/>
@@ -7585,7 +9178,7 @@
                 <a:cs typeface="Times New Roman" panose="02020603050405020304" pitchFamily="18" charset="0"/>
               </a:rPr>
               <a:pPr/>
-              <a:t>2024/8/6</a:t>
+              <a:t>2024/8/7</a:t>
             </a:fld>
             <a:endParaRPr lang="zh-TW" altLang="en-US">
               <a:latin typeface="Times New Roman" panose="02020603050405020304" pitchFamily="18" charset="0"/>
@@ -7853,7 +9446,7 @@
                 <a:cs typeface="Times New Roman" panose="02020603050405020304" pitchFamily="18" charset="0"/>
               </a:rPr>
               <a:pPr/>
-              <a:t>2024/8/6</a:t>
+              <a:t>2024/8/7</a:t>
             </a:fld>
             <a:endParaRPr lang="zh-TW" altLang="en-US">
               <a:latin typeface="Times New Roman" panose="02020603050405020304" pitchFamily="18" charset="0"/>

--- a/meeting_2024/anchi_0807_meeting.pptx
+++ b/meeting_2024/anchi_0807_meeting.pptx
@@ -4841,36 +4841,6 @@
           </a:p>
         </p:txBody>
       </p:sp>
-      <p:pic>
-        <p:nvPicPr>
-          <p:cNvPr id="14" name="圖片 13">
-            <a:extLst>
-              <a:ext uri="{FF2B5EF4-FFF2-40B4-BE49-F238E27FC236}">
-                <a16:creationId xmlns:a16="http://schemas.microsoft.com/office/drawing/2014/main" id="{81A34528-EE13-4215-AEA1-C9ECC70C8BC3}"/>
-              </a:ext>
-            </a:extLst>
-          </p:cNvPr>
-          <p:cNvPicPr>
-            <a:picLocks noChangeAspect="1"/>
-          </p:cNvPicPr>
-          <p:nvPr/>
-        </p:nvPicPr>
-        <p:blipFill>
-          <a:blip r:embed="rId5"/>
-          <a:stretch>
-            <a:fillRect/>
-          </a:stretch>
-        </p:blipFill>
-        <p:spPr>
-          <a:xfrm>
-            <a:off x="4096384" y="1444588"/>
-            <a:ext cx="3840000" cy="2880000"/>
-          </a:xfrm>
-          <a:prstGeom prst="rect">
-            <a:avLst/>
-          </a:prstGeom>
-        </p:spPr>
-      </p:pic>
       <p:sp>
         <p:nvSpPr>
           <p:cNvPr id="15" name="文字方塊 14">
@@ -4885,7 +4855,7 @@
         </p:nvSpPr>
         <p:spPr>
           <a:xfrm>
-            <a:off x="4744453" y="873973"/>
+            <a:off x="4367976" y="845816"/>
             <a:ext cx="6778653" cy="707886"/>
           </a:xfrm>
           <a:prstGeom prst="rect">
@@ -4994,8 +4964,8 @@
         </p:nvCxnSpPr>
         <p:spPr>
           <a:xfrm flipV="1">
-            <a:off x="3506872" y="3563739"/>
-            <a:ext cx="703402" cy="409539"/>
+            <a:off x="3506872" y="3407984"/>
+            <a:ext cx="663912" cy="565294"/>
           </a:xfrm>
           <a:prstGeom prst="straightConnector1">
             <a:avLst/>
@@ -5037,7 +5007,7 @@
           <p:nvPr/>
         </p:nvPicPr>
         <p:blipFill>
-          <a:blip r:embed="rId6"/>
+          <a:blip r:embed="rId5"/>
           <a:stretch>
             <a:fillRect/>
           </a:stretch>
@@ -5067,7 +5037,7 @@
           <p:nvPr/>
         </p:nvPicPr>
         <p:blipFill>
-          <a:blip r:embed="rId7"/>
+          <a:blip r:embed="rId6"/>
           <a:stretch>
             <a:fillRect/>
           </a:stretch>
@@ -5768,12 +5738,12 @@
           <a:graphicData uri="http://schemas.openxmlformats.org/presentationml/2006/ole">
             <mc:AlternateContent xmlns:mc="http://schemas.openxmlformats.org/markup-compatibility/2006">
               <mc:Choice xmlns:v="urn:schemas-microsoft-com:vml" Requires="v">
-                <p:oleObj spid="_x0000_s1028" name="Equation" r:id="rId8" imgW="2546526" imgH="589382" progId="Equation.DSMT4">
+                <p:oleObj spid="_x0000_s1031" name="Equation" r:id="rId7" imgW="2546526" imgH="589382" progId="Equation.DSMT4">
                   <p:embed/>
                 </p:oleObj>
               </mc:Choice>
               <mc:Fallback>
-                <p:oleObj name="Equation" r:id="rId8" imgW="2546526" imgH="589382" progId="Equation.DSMT4">
+                <p:oleObj name="Equation" r:id="rId7" imgW="2546526" imgH="589382" progId="Equation.DSMT4">
                   <p:embed/>
                   <p:pic>
                     <p:nvPicPr>
@@ -5782,7 +5752,7 @@
                       <p:nvPr/>
                     </p:nvPicPr>
                     <p:blipFill>
-                      <a:blip r:embed="rId9"/>
+                      <a:blip r:embed="rId8"/>
                       <a:stretch>
                         <a:fillRect/>
                       </a:stretch>
@@ -5843,6 +5813,36 @@
           </a:p>
         </p:txBody>
       </p:sp>
+      <p:pic>
+        <p:nvPicPr>
+          <p:cNvPr id="17" name="圖片 16">
+            <a:extLst>
+              <a:ext uri="{FF2B5EF4-FFF2-40B4-BE49-F238E27FC236}">
+                <a16:creationId xmlns:a16="http://schemas.microsoft.com/office/drawing/2014/main" id="{A525177B-112F-465C-B702-1B063021A97A}"/>
+              </a:ext>
+            </a:extLst>
+          </p:cNvPr>
+          <p:cNvPicPr>
+            <a:picLocks noChangeAspect="1"/>
+          </p:cNvPicPr>
+          <p:nvPr/>
+        </p:nvPicPr>
+        <p:blipFill>
+          <a:blip r:embed="rId9"/>
+          <a:stretch>
+            <a:fillRect/>
+          </a:stretch>
+        </p:blipFill>
+        <p:spPr>
+          <a:xfrm>
+            <a:off x="3955337" y="1511535"/>
+            <a:ext cx="3600000" cy="2700000"/>
+          </a:xfrm>
+          <a:prstGeom prst="rect">
+            <a:avLst/>
+          </a:prstGeom>
+        </p:spPr>
+      </p:pic>
     </p:spTree>
     <p:extLst>
       <p:ext uri="{BB962C8B-B14F-4D97-AF65-F5344CB8AC3E}">
